--- a/traffic_algo.pptx
+++ b/traffic_algo.pptx
@@ -5,7 +5,7 @@
     <p:sldMasterId id="2147483660" r:id="rId2"/>
   </p:sldMasterIdLst>
   <p:notesMasterIdLst>
-    <p:notesMasterId r:id="rId23"/>
+    <p:notesMasterId r:id="rId20"/>
   </p:notesMasterIdLst>
   <p:sldIdLst>
     <p:sldId id="257" r:id="rId3"/>
@@ -23,11 +23,8 @@
     <p:sldId id="269" r:id="rId15"/>
     <p:sldId id="270" r:id="rId16"/>
     <p:sldId id="271" r:id="rId17"/>
-    <p:sldId id="272" r:id="rId18"/>
-    <p:sldId id="276" r:id="rId19"/>
-    <p:sldId id="277" r:id="rId20"/>
-    <p:sldId id="278" r:id="rId21"/>
-    <p:sldId id="279" r:id="rId22"/>
+    <p:sldId id="276" r:id="rId18"/>
+    <p:sldId id="279" r:id="rId19"/>
   </p:sldIdLst>
   <p:sldSz cx="9144000" cy="6858000" type="screen4x3"/>
   <p:notesSz cx="6858000" cy="9144000"/>
@@ -162,10 +159,7 @@
           <p14:sldIdLst>
             <p14:sldId id="270"/>
             <p14:sldId id="271"/>
-            <p14:sldId id="272"/>
             <p14:sldId id="276"/>
-            <p14:sldId id="277"/>
-            <p14:sldId id="278"/>
             <p14:sldId id="279"/>
           </p14:sldIdLst>
         </p14:section>
@@ -1523,7 +1517,12 @@
             <p:ph type="ctrTitle"/>
           </p:nvPr>
         </p:nvSpPr>
-        <p:spPr/>
+        <p:spPr>
+          <a:xfrm>
+            <a:off x="871533" y="2319460"/>
+            <a:ext cx="7428230" cy="1474617"/>
+          </a:xfrm>
+        </p:spPr>
         <p:txBody>
           <a:bodyPr>
             <a:normAutofit fontScale="90000"/>
@@ -1535,24 +1534,8 @@
               <a:t>Optimizing traffic </a:t>
             </a:r>
             <a:r>
-              <a:rPr lang="en-US" altLang="zh-CN" dirty="0" err="1" smtClean="0"/>
-              <a:t>schedual</a:t>
-            </a:r>
-            <a:r>
-              <a:rPr lang="en-US" altLang="zh-CN" dirty="0" err="1" smtClean="0"/>
-              <a:t>ing</a:t>
-            </a:r>
-            <a:r>
-              <a:rPr lang="en-US" altLang="zh-CN" dirty="0" smtClean="0"/>
-              <a:t> </a:t>
-            </a:r>
-            <a:r>
-              <a:rPr lang="en-US" altLang="zh-CN" dirty="0"/>
-              <a:t>with </a:t>
-            </a:r>
-            <a:r>
-              <a:rPr lang="en-US" altLang="zh-CN" dirty="0" smtClean="0"/>
-              <a:t>self-adaptive methods</a:t>
+              <a:rPr lang="en-US" altLang="zh-CN" dirty="0" smtClean="0"/>
+              <a:t>scheduling with self-adaptive methods</a:t>
             </a:r>
             <a:endParaRPr lang="zh-CN" altLang="en-US" dirty="0"/>
           </a:p>
@@ -1611,8 +1594,8 @@
           <a:lstStyle/>
           <a:p>
             <a:r>
-              <a:rPr lang="zh-CN" altLang="en-US" dirty="0" smtClean="0"/>
-              <a:t>模型尝试：贪心</a:t>
+              <a:rPr lang="en-US" altLang="zh-CN" dirty="0" smtClean="0"/>
+              <a:t>Candidate model: Greedy</a:t>
             </a:r>
             <a:endParaRPr lang="zh-CN" altLang="en-US" dirty="0"/>
           </a:p>
@@ -1634,25 +1617,22 @@
           <a:lstStyle/>
           <a:p>
             <a:r>
-              <a:rPr lang="zh-CN" altLang="en-US" dirty="0" smtClean="0"/>
-              <a:t>用带有使得流量均衡的启发式信息的罚时信息贪心</a:t>
-            </a:r>
-            <a:endParaRPr lang="en-US" altLang="zh-CN" dirty="0" smtClean="0"/>
-          </a:p>
-          <a:p>
-            <a:r>
-              <a:rPr lang="zh-CN" altLang="en-US" dirty="0" smtClean="0"/>
-              <a:t>效果相对朴素贪心有改进，但线上只能到 </a:t>
-            </a:r>
-            <a:r>
-              <a:rPr lang="en-US" altLang="zh-CN" dirty="0" smtClean="0"/>
-              <a:t>500w</a:t>
-            </a:r>
-          </a:p>
-          <a:p>
-            <a:r>
-              <a:rPr lang="zh-CN" altLang="en-US" dirty="0" smtClean="0"/>
-              <a:t>不能优化导出，也不能做到全局的流量均衡</a:t>
+              <a:rPr lang="en-US" altLang="zh-CN" dirty="0" smtClean="0"/>
+              <a:t>For every cross, </a:t>
+            </a:r>
+            <a:r>
+              <a:rPr lang="en-US" altLang="zh-CN" dirty="0" smtClean="0"/>
+              <a:t>enumerate every possible traffic light combination to make local loss optimal.</a:t>
+            </a:r>
+          </a:p>
+          <a:p>
+            <a:r>
+              <a:rPr lang="en-US" altLang="zh-CN" dirty="0" smtClean="0"/>
+              <a:t>Not global </a:t>
+            </a:r>
+            <a:r>
+              <a:rPr lang="en-US" altLang="zh-CN" dirty="0" smtClean="0"/>
+              <a:t>optimal.</a:t>
             </a:r>
             <a:endParaRPr lang="zh-CN" altLang="en-US" dirty="0"/>
           </a:p>
@@ -1716,8 +1696,16 @@
           <a:lstStyle/>
           <a:p>
             <a:r>
+              <a:rPr lang="en-US" altLang="zh-CN" dirty="0" smtClean="0"/>
+              <a:t>Candidate model</a:t>
+            </a:r>
+            <a:r>
               <a:rPr lang="zh-CN" altLang="en-US" dirty="0" smtClean="0"/>
-              <a:t>模型尝试：网络流</a:t>
+              <a:t>：</a:t>
+            </a:r>
+            <a:r>
+              <a:rPr lang="en-US" altLang="zh-CN" dirty="0" smtClean="0"/>
+              <a:t>Network flow</a:t>
             </a:r>
             <a:endParaRPr lang="zh-CN" altLang="en-US" dirty="0"/>
           </a:p>
@@ -1744,63 +1732,67 @@
           <a:lstStyle/>
           <a:p>
             <a:r>
-              <a:rPr lang="zh-CN" altLang="en-US" dirty="0" smtClean="0"/>
-              <a:t>最小费用</a:t>
-            </a:r>
-            <a:r>
-              <a:rPr lang="zh-CN" altLang="en-US" dirty="0"/>
-              <a:t>最大</a:t>
-            </a:r>
-            <a:r>
-              <a:rPr lang="zh-CN" altLang="en-US" dirty="0" smtClean="0"/>
-              <a:t>流</a:t>
+              <a:rPr lang="en-US" altLang="zh-CN" dirty="0" smtClean="0"/>
+              <a:t>Minimum-cost maximum flow</a:t>
+            </a:r>
+          </a:p>
+          <a:p>
+            <a:r>
+              <a:rPr lang="en-US" altLang="zh-CN" dirty="0" smtClean="0"/>
+              <a:t>Assign </a:t>
+            </a:r>
+            <a:r>
+              <a:rPr lang="en-US" altLang="zh-CN" dirty="0" smtClean="0"/>
+              <a:t>big cost to busy road, small cost to relaxing road, assign 0 cost to the board roads that are “exportable”. </a:t>
             </a:r>
             <a:endParaRPr lang="en-US" altLang="zh-CN" dirty="0" smtClean="0"/>
           </a:p>
           <a:p>
             <a:r>
-              <a:rPr lang="zh-CN" altLang="en-US" dirty="0" smtClean="0"/>
-              <a:t>给拥挤的路附加较大的费用，不拥挤的附加较小的费用，可以导出的附加</a:t>
+              <a:rPr lang="en-US" altLang="zh-CN" dirty="0" smtClean="0"/>
+              <a:t>Use edges with flow more than out rate as source, edges with flow less than out rate and “exportable” edges as destination,  </a:t>
             </a:r>
             <a:r>
               <a:rPr lang="en-US" altLang="zh-CN" dirty="0"/>
-              <a:t> </a:t>
-            </a:r>
-            <a:r>
-              <a:rPr lang="en-US" altLang="zh-CN" dirty="0" smtClean="0"/>
-              <a:t>0 </a:t>
-            </a:r>
-            <a:r>
-              <a:rPr lang="zh-CN" altLang="en-US" dirty="0" smtClean="0"/>
-              <a:t>费用</a:t>
+              <a:t>use </a:t>
+            </a:r>
+            <a:r>
+              <a:rPr lang="en-US" altLang="zh-CN" dirty="0" smtClean="0"/>
+              <a:t>minimum-cost </a:t>
+            </a:r>
+            <a:r>
+              <a:rPr lang="en-US" altLang="zh-CN" dirty="0"/>
+              <a:t>maximum </a:t>
+            </a:r>
+            <a:r>
+              <a:rPr lang="en-US" altLang="zh-CN" dirty="0" smtClean="0"/>
+              <a:t>flow algorithm to get a </a:t>
+            </a:r>
+            <a:r>
+              <a:rPr lang="en-US" altLang="zh-CN" dirty="0" err="1" smtClean="0"/>
+              <a:t>schaduel</a:t>
+            </a:r>
+            <a:r>
+              <a:rPr lang="en-US" altLang="zh-CN" dirty="0" smtClean="0"/>
+              <a:t> that minimize the cost. </a:t>
+            </a:r>
+            <a:endParaRPr lang="en-US" altLang="zh-CN" dirty="0"/>
+          </a:p>
+          <a:p>
+            <a:r>
+              <a:rPr lang="en-US" altLang="zh-CN" dirty="0" smtClean="0"/>
+              <a:t>Pros: This model could balance the flow distribution and ensure the “exporting” rate.</a:t>
             </a:r>
             <a:endParaRPr lang="en-US" altLang="zh-CN" dirty="0" smtClean="0"/>
           </a:p>
           <a:p>
             <a:r>
-              <a:rPr lang="zh-CN" altLang="en-US" dirty="0" smtClean="0"/>
-              <a:t>用流量大于转出率的边做源，用流量小于转出率的边和可导出得到边做汇</a:t>
-            </a:r>
-            <a:endParaRPr lang="en-US" altLang="zh-CN" dirty="0" smtClean="0"/>
-          </a:p>
-          <a:p>
-            <a:r>
-              <a:rPr lang="zh-CN" altLang="en-US" dirty="0" smtClean="0"/>
-              <a:t>用最小费用最大流算出使得费用最小的亮灯模式</a:t>
-            </a:r>
-            <a:endParaRPr lang="en-US" altLang="zh-CN" dirty="0" smtClean="0"/>
-          </a:p>
-          <a:p>
-            <a:r>
-              <a:rPr lang="zh-CN" altLang="en-US" dirty="0" smtClean="0"/>
-              <a:t>这种模型可以在保证最大导出的基础上使得流量最均衡</a:t>
-            </a:r>
-            <a:endParaRPr lang="en-US" altLang="zh-CN" dirty="0" smtClean="0"/>
-          </a:p>
-          <a:p>
-            <a:r>
-              <a:rPr lang="zh-CN" altLang="en-US" dirty="0" smtClean="0"/>
-              <a:t>但没有办法加入交通规则的约束</a:t>
+              <a:rPr lang="en-US" altLang="zh-CN" dirty="0" smtClean="0"/>
+              <a:t>Cons: </a:t>
+            </a:r>
+            <a:r>
+              <a:rPr lang="en-US" altLang="zh-CN" dirty="0" smtClean="0"/>
+              <a:t>No way to add in traffic rule constrain.</a:t>
             </a:r>
             <a:endParaRPr lang="en-US" altLang="zh-CN" dirty="0" smtClean="0"/>
           </a:p>
@@ -1867,20 +1859,26 @@
         </p:nvSpPr>
         <p:spPr/>
         <p:txBody>
-          <a:bodyPr/>
+          <a:bodyPr>
+            <a:normAutofit fontScale="90000"/>
+          </a:bodyPr>
           <a:lstStyle/>
           <a:p>
             <a:r>
+              <a:rPr lang="en-US" altLang="zh-CN" dirty="0" smtClean="0"/>
+              <a:t>Candidate Model</a:t>
+            </a:r>
+            <a:r>
               <a:rPr lang="zh-CN" altLang="en-US" dirty="0" smtClean="0"/>
-              <a:t>模型尝试：模拟退火</a:t>
-            </a:r>
-            <a:r>
-              <a:rPr lang="en-US" altLang="zh-CN" dirty="0" smtClean="0"/>
-              <a:t>+</a:t>
-            </a:r>
-            <a:r>
-              <a:rPr lang="zh-CN" altLang="en-US" dirty="0" smtClean="0"/>
-              <a:t>硬编码</a:t>
+              <a:t>：</a:t>
+            </a:r>
+            <a:r>
+              <a:rPr lang="en-US" altLang="zh-CN" dirty="0" smtClean="0"/>
+              <a:t>Offline training (</a:t>
+            </a:r>
+            <a:r>
+              <a:rPr lang="en-US" altLang="zh-CN" dirty="0" smtClean="0"/>
+              <a:t>simulated annealing + random search)</a:t>
             </a:r>
             <a:endParaRPr lang="zh-CN" altLang="en-US" dirty="0"/>
           </a:p>
@@ -1899,61 +1897,67 @@
         <p:spPr/>
         <p:txBody>
           <a:bodyPr>
-            <a:normAutofit fontScale="92500" lnSpcReduction="10000"/>
+            <a:normAutofit lnSpcReduction="10000"/>
           </a:bodyPr>
           <a:lstStyle/>
           <a:p>
             <a:r>
+              <a:rPr lang="en-US" altLang="zh-CN" dirty="0" smtClean="0"/>
+              <a:t>Scale </a:t>
+            </a:r>
+            <a:r>
+              <a:rPr lang="en-US" altLang="zh-CN" dirty="0" smtClean="0"/>
+              <a:t>the training data of 7</a:t>
+            </a:r>
+            <a:r>
+              <a:rPr lang="en-US" altLang="zh-CN" baseline="30000" dirty="0" smtClean="0"/>
+              <a:t>th</a:t>
+            </a:r>
+            <a:r>
+              <a:rPr lang="en-US" altLang="zh-CN" dirty="0" smtClean="0"/>
+              <a:t> day, use random search to get to best schedule for this day, and use it directly to 8</a:t>
+            </a:r>
+            <a:r>
+              <a:rPr lang="en-US" altLang="zh-CN" baseline="30000" dirty="0" smtClean="0"/>
+              <a:t>th</a:t>
+            </a:r>
+            <a:r>
+              <a:rPr lang="en-US" altLang="zh-CN" dirty="0" smtClean="0"/>
+              <a:t> days schedule.</a:t>
+            </a:r>
+            <a:endParaRPr lang="en-US" altLang="zh-CN" dirty="0" smtClean="0"/>
+          </a:p>
+          <a:p>
+            <a:r>
+              <a:rPr lang="en-US" altLang="zh-CN" dirty="0" smtClean="0"/>
+              <a:t>Schedule for the 14 test hours are exactly same, we used this strategy </a:t>
+            </a:r>
+            <a:r>
               <a:rPr lang="zh-CN" altLang="en-US" dirty="0" smtClean="0"/>
-              <a:t>第七天数据以</a:t>
-            </a:r>
-            <a:r>
-              <a:rPr lang="en-US" altLang="zh-CN" dirty="0" smtClean="0"/>
-              <a:t> 0.87 </a:t>
-            </a:r>
-            <a:r>
-              <a:rPr lang="zh-CN" altLang="en-US" dirty="0" smtClean="0"/>
-              <a:t>为系数线性缩小，用增强学习的方法训练出适应这组数据的亮灯方案，也就是说，每一个路口， 在每一个小时的</a:t>
+              <a:t> </a:t>
+            </a:r>
+            <a:r>
+              <a:rPr lang="en-US" altLang="zh-CN" dirty="0" smtClean="0"/>
+              <a:t>to get </a:t>
+            </a:r>
+            <a:r>
+              <a:rPr lang="en-US" altLang="zh-CN" b="1" dirty="0" smtClean="0"/>
+              <a:t>269w </a:t>
+            </a:r>
+            <a:r>
+              <a:rPr lang="en-US" altLang="zh-CN" dirty="0" smtClean="0"/>
+              <a:t>loss.</a:t>
+            </a:r>
+            <a:endParaRPr lang="en-US" altLang="zh-CN" dirty="0"/>
+          </a:p>
+          <a:p>
+            <a:r>
+              <a:rPr lang="en-US" altLang="zh-CN" dirty="0" smtClean="0"/>
+              <a:t>Training method</a:t>
             </a:r>
             <a:r>
               <a:rPr lang="en-US" altLang="zh-CN" dirty="0"/>
-              <a:t> </a:t>
-            </a:r>
-            <a:r>
-              <a:rPr lang="en-US" altLang="zh-CN" dirty="0" smtClean="0"/>
-              <a:t>120 </a:t>
-            </a:r>
-            <a:r>
-              <a:rPr lang="zh-CN" altLang="en-US" dirty="0" smtClean="0"/>
-              <a:t>次亮灯策略都是被线下算出的，在测评时直接输出。</a:t>
-            </a:r>
-            <a:endParaRPr lang="en-US" altLang="zh-CN" dirty="0" smtClean="0"/>
-          </a:p>
-          <a:p>
-            <a:endParaRPr lang="en-US" altLang="zh-CN" dirty="0" smtClean="0"/>
-          </a:p>
-          <a:p>
-            <a:r>
-              <a:rPr lang="en-US" altLang="zh-CN" dirty="0" smtClean="0"/>
-              <a:t>14 </a:t>
-            </a:r>
-            <a:r>
-              <a:rPr lang="zh-CN" altLang="en-US" dirty="0" smtClean="0"/>
-              <a:t>个小时的亮灯策略完全一致，这种方法可以达到 </a:t>
-            </a:r>
-            <a:r>
-              <a:rPr lang="en-US" altLang="zh-CN" b="1" dirty="0" smtClean="0"/>
-              <a:t>269w</a:t>
-            </a:r>
-            <a:endParaRPr lang="en-US" altLang="zh-CN" b="1" dirty="0"/>
-          </a:p>
-          <a:p>
-            <a:endParaRPr lang="en-US" altLang="zh-CN" dirty="0"/>
-          </a:p>
-          <a:p>
-            <a:r>
-              <a:rPr lang="zh-CN" altLang="en-US" dirty="0" smtClean="0"/>
-              <a:t>训练方法：</a:t>
+              <a:t>:</a:t>
             </a:r>
             <a:endParaRPr lang="en-US" altLang="zh-CN" dirty="0" smtClean="0"/>
           </a:p>
@@ -1963,8 +1967,12 @@
               <a:buAutoNum type="arabicPeriod"/>
             </a:pPr>
             <a:r>
-              <a:rPr lang="zh-CN" altLang="en-US" dirty="0" smtClean="0"/>
-              <a:t>用局部贪心算法产生初始的亮灯策略</a:t>
+              <a:rPr lang="en-US" altLang="zh-CN" dirty="0" smtClean="0"/>
+              <a:t>Generate initia</a:t>
+            </a:r>
+            <a:r>
+              <a:rPr lang="en-US" altLang="zh-CN" dirty="0" smtClean="0"/>
+              <a:t>l schedule with local greedy method.</a:t>
             </a:r>
             <a:endParaRPr lang="en-US" altLang="zh-CN" dirty="0" smtClean="0"/>
           </a:p>
@@ -1974,8 +1982,16 @@
               <a:buAutoNum type="arabicPeriod"/>
             </a:pPr>
             <a:r>
-              <a:rPr lang="zh-CN" altLang="en-US" dirty="0" smtClean="0"/>
-              <a:t>随机翻转一部分的亮灯策略（翻转数量随系统冷却程度减少）</a:t>
+              <a:rPr lang="en-US" altLang="zh-CN" dirty="0" smtClean="0"/>
+              <a:t>Flip a </a:t>
+            </a:r>
+            <a:r>
+              <a:rPr lang="en-US" altLang="zh-CN" dirty="0" smtClean="0"/>
+              <a:t>part of the lights(green turns red, or red turns green</a:t>
+            </a:r>
+            <a:r>
+              <a:rPr lang="en-US" altLang="zh-CN" dirty="0" smtClean="0"/>
+              <a:t>), the flip number reduces while the system gets stable.</a:t>
             </a:r>
             <a:endParaRPr lang="en-US" altLang="zh-CN" dirty="0" smtClean="0"/>
           </a:p>
@@ -1985,10 +2001,13 @@
               <a:buAutoNum type="arabicPeriod"/>
             </a:pPr>
             <a:r>
-              <a:rPr lang="zh-CN" altLang="en-US" dirty="0" smtClean="0"/>
-              <a:t>将改变后的亮灯策略输入模拟器得到一整天的罚时</a:t>
-            </a:r>
-            <a:endParaRPr lang="en-US" altLang="zh-CN" dirty="0" smtClean="0"/>
+              <a:rPr lang="en-US" altLang="zh-CN" dirty="0" smtClean="0"/>
+              <a:t>Feed the </a:t>
+            </a:r>
+            <a:r>
+              <a:rPr lang="en-US" altLang="zh-CN" dirty="0" smtClean="0"/>
+              <a:t>flipped schedule to monitor, and calculate the new loss.</a:t>
+            </a:r>
           </a:p>
           <a:p>
             <a:pPr marL="685800" lvl="1" indent="-342900">
@@ -1996,8 +2015,8 @@
               <a:buAutoNum type="arabicPeriod"/>
             </a:pPr>
             <a:r>
-              <a:rPr lang="zh-CN" altLang="en-US" dirty="0" smtClean="0"/>
-              <a:t>如果罚时变小，接收改变，反之抛弃改变</a:t>
+              <a:rPr lang="en-US" altLang="zh-CN" dirty="0" smtClean="0"/>
+              <a:t>If improved, accept the change, otherwise discard the change.</a:t>
             </a:r>
             <a:endParaRPr lang="en-US" altLang="zh-CN" dirty="0" smtClean="0"/>
           </a:p>
@@ -2007,33 +2026,8 @@
               <a:buAutoNum type="arabicPeriod"/>
             </a:pPr>
             <a:r>
-              <a:rPr lang="zh-CN" altLang="en-US" dirty="0" smtClean="0"/>
-              <a:t>回</a:t>
-            </a:r>
-            <a:r>
-              <a:rPr lang="en-US" altLang="zh-CN" dirty="0"/>
-              <a:t> </a:t>
-            </a:r>
-            <a:r>
-              <a:rPr lang="en-US" altLang="zh-CN" dirty="0" smtClean="0"/>
-              <a:t>2 </a:t>
-            </a:r>
-            <a:r>
-              <a:rPr lang="zh-CN" altLang="en-US" dirty="0" smtClean="0"/>
-              <a:t>步</a:t>
-            </a:r>
-            <a:endParaRPr lang="en-US" altLang="zh-CN" dirty="0" smtClean="0"/>
-          </a:p>
-          <a:p>
-            <a:pPr marL="342900" lvl="1" indent="0">
-              <a:buNone/>
-            </a:pPr>
-            <a:endParaRPr lang="en-US" altLang="zh-CN" dirty="0" smtClean="0"/>
-          </a:p>
-          <a:p>
-            <a:r>
-              <a:rPr lang="zh-CN" altLang="en-US" dirty="0" smtClean="0"/>
-              <a:t>将线下训练的结果直接在线上测评时输出</a:t>
+              <a:rPr lang="en-US" altLang="zh-CN" dirty="0" smtClean="0"/>
+              <a:t>Go back to 2.</a:t>
             </a:r>
             <a:endParaRPr lang="en-US" altLang="zh-CN" dirty="0" smtClean="0"/>
           </a:p>
@@ -2088,20 +2082,22 @@
         </p:nvSpPr>
         <p:spPr/>
         <p:txBody>
-          <a:bodyPr/>
+          <a:bodyPr>
+            <a:normAutofit fontScale="90000"/>
+          </a:bodyPr>
           <a:lstStyle/>
           <a:p>
             <a:r>
+              <a:rPr lang="en-US" altLang="zh-CN" dirty="0" smtClean="0"/>
+              <a:t>Model candidate</a:t>
+            </a:r>
+            <a:r>
               <a:rPr lang="zh-CN" altLang="en-US" dirty="0" smtClean="0"/>
-              <a:t>模型尝试：分时优化</a:t>
-            </a:r>
-            <a:r>
-              <a:rPr lang="en-US" altLang="zh-CN" dirty="0" smtClean="0"/>
-              <a:t>+</a:t>
-            </a:r>
-            <a:r>
-              <a:rPr lang="zh-CN" altLang="en-US" dirty="0" smtClean="0"/>
-              <a:t>硬编码</a:t>
+              <a:t>：</a:t>
+            </a:r>
+            <a:r>
+              <a:rPr lang="en-US" altLang="zh-CN" dirty="0" smtClean="0"/>
+              <a:t>Offline training (optimize for each hour individually)</a:t>
             </a:r>
             <a:endParaRPr lang="zh-CN" altLang="en-US" dirty="0"/>
           </a:p>
@@ -2123,62 +2119,54 @@
           <a:lstStyle/>
           <a:p>
             <a:r>
-              <a:rPr lang="zh-CN" altLang="en-US" dirty="0" smtClean="0"/>
-              <a:t>每个小时的流量规模有差别，都用同一张表输出不能做到最优</a:t>
+              <a:rPr lang="en-US" altLang="zh-CN" dirty="0" smtClean="0"/>
+              <a:t>The flow scale for each hour differs, according to the previous conclusion, </a:t>
+            </a:r>
+            <a:r>
+              <a:rPr lang="en-US" altLang="zh-CN" dirty="0" smtClean="0"/>
+              <a:t>this leads to different optimal schedule.</a:t>
+            </a:r>
+            <a:r>
+              <a:rPr lang="en-US" altLang="zh-CN" dirty="0" smtClean="0"/>
+              <a:t> </a:t>
             </a:r>
             <a:endParaRPr lang="en-US" altLang="zh-CN" dirty="0" smtClean="0"/>
           </a:p>
           <a:p>
-            <a:endParaRPr lang="en-US" altLang="zh-CN" dirty="0" smtClean="0"/>
-          </a:p>
-          <a:p>
-            <a:r>
-              <a:rPr lang="zh-CN" altLang="en-US" dirty="0" smtClean="0"/>
-              <a:t>我们尝试了用第六第七天的数据集成训练，对每一个小时分别优化，打出一张相当于前一种方法 </a:t>
-            </a:r>
-            <a:r>
-              <a:rPr lang="en-US" altLang="zh-CN" dirty="0" smtClean="0"/>
-              <a:t>14 </a:t>
-            </a:r>
-            <a:r>
-              <a:rPr lang="zh-CN" altLang="en-US" dirty="0" smtClean="0"/>
-              <a:t>倍的表</a:t>
-            </a:r>
-            <a:endParaRPr lang="en-US" altLang="zh-CN" dirty="0" smtClean="0"/>
-          </a:p>
-          <a:p>
+            <a:r>
+              <a:rPr lang="en-US" altLang="zh-CN" dirty="0" smtClean="0"/>
+              <a:t>We tried to </a:t>
+            </a:r>
+            <a:r>
+              <a:rPr lang="en-US" altLang="zh-CN" dirty="0" smtClean="0"/>
+              <a:t>train individually for each hour, though offline score improved significantly, online test score got worse.</a:t>
+            </a:r>
             <a:endParaRPr lang="en-US" altLang="zh-CN" dirty="0"/>
           </a:p>
           <a:p>
             <a:r>
-              <a:rPr lang="zh-CN" altLang="en-US" dirty="0" smtClean="0"/>
-              <a:t>在前一种方法中，一种改变的好坏是用全局的结果来评估的，这里一种改变之针对本小时，更小规模的反馈带来严重的对训练数据的</a:t>
-            </a:r>
-            <a:r>
-              <a:rPr lang="zh-CN" altLang="en-US" b="1" dirty="0" smtClean="0"/>
-              <a:t>过拟合</a:t>
-            </a:r>
-            <a:endParaRPr lang="en-US" altLang="zh-CN" b="1" dirty="0" smtClean="0"/>
-          </a:p>
-          <a:p>
-            <a:endParaRPr lang="en-US" altLang="zh-CN" dirty="0" smtClean="0"/>
-          </a:p>
-          <a:p>
-            <a:r>
-              <a:rPr lang="zh-CN" altLang="en-US" dirty="0" smtClean="0"/>
-              <a:t>虽然</a:t>
-            </a:r>
-            <a:r>
-              <a:rPr lang="zh-CN" altLang="en-US" dirty="0"/>
-              <a:t>在线</a:t>
-            </a:r>
-            <a:r>
-              <a:rPr lang="zh-CN" altLang="en-US" dirty="0" smtClean="0"/>
-              <a:t>下有大幅的提升，但在线上只有 </a:t>
-            </a:r>
-            <a:r>
-              <a:rPr lang="en-US" altLang="zh-CN" dirty="0" smtClean="0"/>
-              <a:t>290w</a:t>
+              <a:rPr lang="en-US" altLang="zh-CN" dirty="0" smtClean="0"/>
+              <a:t>The reason for this may be </a:t>
+            </a:r>
+            <a:r>
+              <a:rPr lang="en-US" altLang="zh-CN" b="1" dirty="0" smtClean="0"/>
+              <a:t>over fitting</a:t>
+            </a:r>
+            <a:r>
+              <a:rPr lang="en-US" altLang="zh-CN" dirty="0" smtClean="0"/>
+              <a:t>, in previous method, </a:t>
+            </a:r>
+            <a:r>
+              <a:rPr lang="en-US" altLang="zh-CN" dirty="0" smtClean="0"/>
+              <a:t>the 14 hours’ total loss is used to evaluate a flip, while in this method, only the hour in which </a:t>
+            </a:r>
+            <a:r>
+              <a:rPr lang="en-US" altLang="zh-CN" dirty="0" smtClean="0"/>
+              <a:t>a flip lays. The </a:t>
+            </a:r>
+            <a:r>
+              <a:rPr lang="en-US" altLang="zh-CN" dirty="0" smtClean="0"/>
+              <a:t>small scale feed back brings more over fit to specific training data.</a:t>
             </a:r>
             <a:endParaRPr lang="en-US" altLang="zh-CN" dirty="0"/>
           </a:p>
@@ -2237,8 +2225,12 @@
           <a:lstStyle/>
           <a:p>
             <a:r>
-              <a:rPr lang="zh-CN" altLang="en-US" dirty="0" smtClean="0"/>
-              <a:t>最终方案：自适应的增强学习方法</a:t>
+              <a:rPr lang="en-US" altLang="zh-CN" dirty="0" smtClean="0"/>
+              <a:t>Final model: Offline training + </a:t>
+            </a:r>
+            <a:r>
+              <a:rPr lang="en-US" altLang="zh-CN" dirty="0" smtClean="0"/>
+              <a:t>Online adjustment</a:t>
             </a:r>
             <a:endParaRPr lang="zh-CN" altLang="en-US" dirty="0"/>
           </a:p>
@@ -2260,54 +2252,78 @@
           <a:lstStyle/>
           <a:p>
             <a:r>
-              <a:rPr lang="zh-CN" altLang="en-US" dirty="0" smtClean="0"/>
-              <a:t>启发：经过多次实验，打表对给定训练数据的效果可以超过所有</a:t>
-            </a:r>
-            <a:r>
-              <a:rPr lang="zh-CN" altLang="en-US" dirty="0"/>
-              <a:t>其他</a:t>
-            </a:r>
-            <a:r>
-              <a:rPr lang="zh-CN" altLang="en-US" dirty="0" smtClean="0"/>
-              <a:t>的算法，但瓶颈是对线下数据的过拟合，过拟合的主要的原因是每条路在各天流量的总体规模难以预测</a:t>
+              <a:rPr lang="en-US" altLang="zh-CN" dirty="0" smtClean="0"/>
+              <a:t>Innovation: the shortage fo</a:t>
+            </a:r>
+            <a:r>
+              <a:rPr lang="en-US" altLang="zh-CN" dirty="0" smtClean="0"/>
+              <a:t>r offline training is that we can not perfectly fit the 8</a:t>
+            </a:r>
+            <a:r>
+              <a:rPr lang="en-US" altLang="zh-CN" baseline="30000" dirty="0" smtClean="0"/>
+              <a:t>th</a:t>
+            </a:r>
+            <a:r>
+              <a:rPr lang="en-US" altLang="zh-CN" dirty="0" smtClean="0"/>
+              <a:t> day’s flow </a:t>
+            </a:r>
+            <a:r>
+              <a:rPr lang="en-US" altLang="zh-CN" dirty="0" err="1" smtClean="0"/>
+              <a:t>distribution.We</a:t>
+            </a:r>
+            <a:r>
+              <a:rPr lang="en-US" altLang="zh-CN" dirty="0" smtClean="0"/>
+              <a:t> could </a:t>
             </a:r>
             <a:endParaRPr lang="en-US" altLang="zh-CN" dirty="0" smtClean="0"/>
           </a:p>
           <a:p>
+            <a:endParaRPr lang="en-US" altLang="zh-CN" dirty="0"/>
+          </a:p>
+          <a:p>
             <a:endParaRPr lang="en-US" altLang="zh-CN" dirty="0" smtClean="0"/>
           </a:p>
           <a:p>
+            <a:endParaRPr lang="en-US" altLang="zh-CN" dirty="0" smtClean="0"/>
+          </a:p>
+          <a:p>
+            <a:endParaRPr lang="en-US" altLang="zh-CN" dirty="0" smtClean="0"/>
+          </a:p>
+          <a:p>
+            <a:r>
+              <a:rPr lang="en-US" altLang="zh-CN" dirty="0" smtClean="0"/>
+              <a:t>(in the figure, optimal schedule for the 7 days are largely different, we do not know what will 8</a:t>
+            </a:r>
+            <a:r>
+              <a:rPr lang="en-US" altLang="zh-CN" baseline="30000" dirty="0" smtClean="0"/>
+              <a:t>th</a:t>
+            </a:r>
+            <a:r>
+              <a:rPr lang="en-US" altLang="zh-CN" dirty="0" smtClean="0"/>
+              <a:t> day be like)</a:t>
+            </a:r>
             <a:endParaRPr lang="en-US" altLang="zh-CN" dirty="0"/>
           </a:p>
           <a:p>
-            <a:endParaRPr lang="en-US" altLang="zh-CN" dirty="0" smtClean="0"/>
-          </a:p>
-          <a:p>
-            <a:endParaRPr lang="en-US" altLang="zh-CN" dirty="0" smtClean="0"/>
-          </a:p>
-          <a:p>
-            <a:r>
-              <a:rPr lang="zh-CN" altLang="en-US" dirty="0" smtClean="0"/>
-              <a:t>上图中，适应第</a:t>
-            </a:r>
-            <a:r>
-              <a:rPr lang="en-US" altLang="zh-CN" dirty="0"/>
-              <a:t> </a:t>
-            </a:r>
-            <a:r>
-              <a:rPr lang="en-US" altLang="zh-CN" dirty="0" smtClean="0"/>
-              <a:t>3 </a:t>
-            </a:r>
-            <a:r>
-              <a:rPr lang="zh-CN" altLang="en-US" dirty="0" smtClean="0"/>
-              <a:t>天，意味着不能适应其他天</a:t>
-            </a:r>
-            <a:endParaRPr lang="en-US" altLang="zh-CN" dirty="0"/>
-          </a:p>
-          <a:p>
-            <a:r>
-              <a:rPr lang="zh-CN" altLang="en-US" dirty="0" smtClean="0"/>
-              <a:t>解决方案：在线上根据已经给的第八天流量，预测各条路的一段时间内的流量规模，用预测的流量对线下打好的表做进一步训练，起到适应第八天流量的作用</a:t>
+            <a:r>
+              <a:rPr lang="en-US" altLang="zh-CN" dirty="0" smtClean="0"/>
+              <a:t>Solution: </a:t>
+            </a:r>
+            <a:r>
+              <a:rPr lang="en-US" altLang="zh-CN" dirty="0" smtClean="0"/>
+              <a:t>Whe</a:t>
+            </a:r>
+            <a:r>
+              <a:rPr lang="en-US" altLang="zh-CN" dirty="0" smtClean="0"/>
+              <a:t>n testing, we use the feed back flow to calculate the 8</a:t>
+            </a:r>
+            <a:r>
+              <a:rPr lang="en-US" altLang="zh-CN" baseline="30000" dirty="0" smtClean="0"/>
+              <a:t>th</a:t>
+            </a:r>
+            <a:r>
+              <a:rPr lang="en-US" altLang="zh-CN" dirty="0" smtClean="0"/>
+              <a:t> day’s flow. Use this flow to make a short term prediction and continue training our schedule.</a:t>
             </a:r>
             <a:endParaRPr lang="en-US" altLang="zh-CN" dirty="0" smtClean="0"/>
           </a:p>
@@ -2335,7 +2351,7 @@
         </p:blipFill>
         <p:spPr>
           <a:xfrm>
-            <a:off x="881751" y="3009097"/>
+            <a:off x="628650" y="2770261"/>
             <a:ext cx="1960303" cy="1470227"/>
           </a:xfrm>
           <a:prstGeom prst="rect">
@@ -2396,9 +2412,10 @@
           <a:lstStyle/>
           <a:p>
             <a:r>
-              <a:rPr lang="zh-CN" altLang="en-US" dirty="0"/>
-              <a:t>最终方案：自适应的增强学习方法</a:t>
-            </a:r>
+              <a:rPr lang="en-US" altLang="zh-CN" dirty="0"/>
+              <a:t>Final model: Offline training + Online adjustment</a:t>
+            </a:r>
+            <a:endParaRPr lang="zh-CN" altLang="en-US" dirty="0"/>
           </a:p>
         </p:txBody>
       </p:sp>
@@ -2418,8 +2435,12 @@
           <a:lstStyle/>
           <a:p>
             <a:r>
-              <a:rPr lang="zh-CN" altLang="en-US" dirty="0" smtClean="0"/>
-              <a:t>详细步骤：</a:t>
+              <a:rPr lang="en-US" altLang="zh-CN" dirty="0" smtClean="0"/>
+              <a:t>Detailed </a:t>
+            </a:r>
+            <a:r>
+              <a:rPr lang="en-US" altLang="zh-CN" dirty="0" smtClean="0"/>
+              <a:t>description:</a:t>
             </a:r>
             <a:endParaRPr lang="en-US" altLang="zh-CN" dirty="0" smtClean="0"/>
           </a:p>
@@ -2429,8 +2450,8 @@
               <a:buAutoNum type="arabicPeriod"/>
             </a:pPr>
             <a:r>
-              <a:rPr lang="zh-CN" altLang="en-US" dirty="0" smtClean="0"/>
-              <a:t>测评程序输入本分钟的流量</a:t>
+              <a:rPr lang="en-US" altLang="zh-CN" dirty="0" smtClean="0"/>
+              <a:t>Monitor feed in flow for current minute.</a:t>
             </a:r>
             <a:endParaRPr lang="en-US" altLang="zh-CN" dirty="0" smtClean="0"/>
           </a:p>
@@ -2440,12 +2461,20 @@
               <a:buAutoNum type="arabicPeriod"/>
             </a:pPr>
             <a:r>
-              <a:rPr lang="zh-CN" altLang="en-US" dirty="0"/>
-              <a:t>结合</a:t>
+              <a:rPr lang="en-US" altLang="zh-CN" dirty="0" smtClean="0"/>
+              <a:t>Calculate the “static flow” based on previous minute’s schedule.</a:t>
             </a:r>
             <a:r>
               <a:rPr lang="zh-CN" altLang="en-US" dirty="0" smtClean="0"/>
-              <a:t>上一次的输出的亮灯策略，算出本次的测评机静态流量</a:t>
+              <a:t> </a:t>
+            </a:r>
+            <a:r>
+              <a:rPr lang="en-US" altLang="zh-CN" dirty="0" smtClean="0"/>
+              <a:t>Use the last 30 minutes’ static flow to </a:t>
+            </a:r>
+            <a:r>
+              <a:rPr lang="en-US" altLang="zh-CN" dirty="0" smtClean="0"/>
+              <a:t>predict the future 30 minutes.</a:t>
             </a:r>
             <a:endParaRPr lang="en-US" altLang="zh-CN" dirty="0" smtClean="0"/>
           </a:p>
@@ -2455,28 +2484,36 @@
               <a:buAutoNum type="arabicPeriod"/>
             </a:pPr>
             <a:r>
-              <a:rPr lang="zh-CN" altLang="en-US" dirty="0" smtClean="0"/>
-              <a:t>平均最近</a:t>
+              <a:rPr lang="en-US" altLang="zh-CN" dirty="0" smtClean="0"/>
+              <a:t>Ret</a:t>
+            </a:r>
+            <a:r>
+              <a:rPr lang="en-US" altLang="zh-CN" dirty="0" smtClean="0"/>
+              <a:t>rain </a:t>
             </a:r>
             <a:r>
               <a:rPr lang="en-US" altLang="zh-CN" dirty="0"/>
-              <a:t> </a:t>
-            </a:r>
-            <a:r>
-              <a:rPr lang="en-US" altLang="zh-CN" dirty="0" smtClean="0"/>
-              <a:t>30 </a:t>
-            </a:r>
-            <a:r>
-              <a:rPr lang="zh-CN" altLang="en-US" dirty="0" smtClean="0"/>
-              <a:t>次的静态流量作为对未来 </a:t>
-            </a:r>
-            <a:r>
-              <a:rPr lang="en-US" altLang="zh-CN" dirty="0" smtClean="0"/>
-              <a:t>30 </a:t>
-            </a:r>
-            <a:r>
-              <a:rPr lang="zh-CN" altLang="en-US" dirty="0" smtClean="0"/>
-              <a:t>次的预测</a:t>
+              <a:t>the offline </a:t>
+            </a:r>
+            <a:r>
+              <a:rPr lang="en-US" altLang="zh-CN" dirty="0" smtClean="0"/>
+              <a:t>obtained schedule </a:t>
+            </a:r>
+            <a:r>
+              <a:rPr lang="en-US" altLang="zh-CN" dirty="0" smtClean="0"/>
+              <a:t>using the predicted </a:t>
+            </a:r>
+            <a:r>
+              <a:rPr lang="en-US" altLang="zh-CN" dirty="0" smtClean="0"/>
+              <a:t>flow</a:t>
+            </a:r>
+            <a:r>
+              <a:rPr lang="en-US" altLang="zh-CN" dirty="0" smtClean="0"/>
+              <a:t>, with </a:t>
+            </a:r>
+            <a:r>
+              <a:rPr lang="en-US" altLang="zh-CN" dirty="0" smtClean="0"/>
+              <a:t>the same strategy as offline training.</a:t>
             </a:r>
             <a:endParaRPr lang="en-US" altLang="zh-CN" dirty="0" smtClean="0"/>
           </a:p>
@@ -2486,39 +2523,12 @@
               <a:buAutoNum type="arabicPeriod"/>
             </a:pPr>
             <a:r>
-              <a:rPr lang="zh-CN" altLang="en-US" dirty="0" smtClean="0"/>
-              <a:t>用当前路面的流量结合未来 </a:t>
-            </a:r>
-            <a:r>
-              <a:rPr lang="en-US" altLang="zh-CN" dirty="0" smtClean="0"/>
-              <a:t>30 </a:t>
-            </a:r>
-            <a:r>
-              <a:rPr lang="zh-CN" altLang="en-US" dirty="0" smtClean="0"/>
-              <a:t>次的预测流量，对线下训练好的表中本次的亮灯策略进行训练，训练方法与线下训练相似（随机翻转，看</a:t>
-            </a:r>
-            <a:r>
-              <a:rPr lang="en-US" altLang="zh-CN" dirty="0"/>
-              <a:t> </a:t>
-            </a:r>
-            <a:r>
-              <a:rPr lang="en-US" altLang="zh-CN" dirty="0" smtClean="0"/>
-              <a:t>30 </a:t>
-            </a:r>
-            <a:r>
-              <a:rPr lang="zh-CN" altLang="en-US" dirty="0" smtClean="0"/>
-              <a:t>步反馈）</a:t>
-            </a:r>
-            <a:endParaRPr lang="en-US" altLang="zh-CN" dirty="0" smtClean="0"/>
-          </a:p>
-          <a:p>
-            <a:pPr marL="685800" lvl="1" indent="-342900">
-              <a:buFont typeface="+mj-lt"/>
-              <a:buAutoNum type="arabicPeriod"/>
-            </a:pPr>
-            <a:r>
-              <a:rPr lang="zh-CN" altLang="en-US" dirty="0" smtClean="0"/>
-              <a:t>训练好的本时刻亮灯策略输出</a:t>
+              <a:rPr lang="en-US" altLang="zh-CN" dirty="0" smtClean="0"/>
+              <a:t>Output </a:t>
+            </a:r>
+            <a:r>
+              <a:rPr lang="en-US" altLang="zh-CN" dirty="0" smtClean="0"/>
+              <a:t>the strategy to monitor.</a:t>
             </a:r>
             <a:endParaRPr lang="en-US" altLang="zh-CN" dirty="0" smtClean="0"/>
           </a:p>
@@ -2591,9 +2601,10 @@
           <a:lstStyle/>
           <a:p>
             <a:r>
-              <a:rPr lang="zh-CN" altLang="en-US" dirty="0"/>
-              <a:t>最终方案：自适应的增强学习方法</a:t>
-            </a:r>
+              <a:rPr lang="en-US" altLang="zh-CN" dirty="0"/>
+              <a:t>Final model: Offline training + Online adjustment</a:t>
+            </a:r>
+            <a:endParaRPr lang="zh-CN" altLang="en-US" dirty="0"/>
           </a:p>
         </p:txBody>
       </p:sp>
@@ -2613,58 +2624,35 @@
           <a:lstStyle/>
           <a:p>
             <a:r>
-              <a:rPr lang="zh-CN" altLang="en-US" dirty="0"/>
-              <a:t>线</a:t>
-            </a:r>
-            <a:r>
-              <a:rPr lang="zh-CN" altLang="en-US" dirty="0" smtClean="0"/>
-              <a:t>下的训练提供了亮灯的“一搬模式”</a:t>
-            </a:r>
-            <a:endParaRPr lang="en-US" altLang="zh-CN" dirty="0" smtClean="0"/>
-          </a:p>
-          <a:p>
-            <a:r>
-              <a:rPr lang="zh-CN" altLang="en-US" dirty="0" smtClean="0"/>
-              <a:t>线上的训练使得亮灯策略表更适应实际的第八天流量</a:t>
-            </a:r>
-            <a:endParaRPr lang="en-US" altLang="zh-CN" dirty="0" smtClean="0"/>
-          </a:p>
-          <a:p>
-            <a:r>
-              <a:rPr lang="zh-CN" altLang="en-US" dirty="0" smtClean="0"/>
-              <a:t>为了防止局部最优解，在</a:t>
-            </a:r>
-            <a:r>
-              <a:rPr lang="en-US" altLang="zh-CN" dirty="0"/>
-              <a:t> </a:t>
-            </a:r>
-            <a:r>
-              <a:rPr lang="en-US" altLang="zh-CN" dirty="0" smtClean="0"/>
-              <a:t>800 </a:t>
-            </a:r>
-            <a:r>
-              <a:rPr lang="zh-CN" altLang="en-US" dirty="0" smtClean="0"/>
-              <a:t>次的迭代训练中，我们接受每 </a:t>
-            </a:r>
-            <a:r>
-              <a:rPr lang="en-US" altLang="zh-CN" dirty="0" smtClean="0"/>
-              <a:t>100 </a:t>
-            </a:r>
-            <a:r>
-              <a:rPr lang="zh-CN" altLang="en-US" dirty="0" smtClean="0"/>
-              <a:t>次中最好的一次改变</a:t>
-            </a:r>
-            <a:endParaRPr lang="en-US" altLang="zh-CN" dirty="0" smtClean="0"/>
-          </a:p>
-          <a:p>
-            <a:endParaRPr lang="en-US" altLang="zh-CN" dirty="0" smtClean="0"/>
+              <a:rPr lang="en-US" altLang="zh-CN" dirty="0" smtClean="0"/>
+              <a:t>Some tracks for speed:</a:t>
+            </a:r>
+          </a:p>
+          <a:p>
+            <a:pPr lvl="1"/>
+            <a:r>
+              <a:rPr lang="en-US" altLang="zh-CN" dirty="0" smtClean="0"/>
+              <a:t>Use 12bit binary to represent light combination, preprocess traffic rule violation penalty under each circumstance.</a:t>
+            </a:r>
+          </a:p>
+          <a:p>
+            <a:pPr lvl="1"/>
+            <a:r>
+              <a:rPr lang="en-US" altLang="zh-CN" dirty="0" smtClean="0"/>
+              <a:t>Incremental </a:t>
+            </a:r>
+            <a:r>
+              <a:rPr lang="en-US" altLang="zh-CN" dirty="0" smtClean="0"/>
+              <a:t>update, calculate each flip’s affect fast.</a:t>
+            </a:r>
+            <a:endParaRPr lang="zh-CN" altLang="en-US" dirty="0"/>
           </a:p>
         </p:txBody>
       </p:sp>
     </p:spTree>
     <p:extLst>
       <p:ext uri="{BB962C8B-B14F-4D97-AF65-F5344CB8AC3E}">
-        <p14:creationId xmlns:p14="http://schemas.microsoft.com/office/powerpoint/2010/main" val="500086986"/>
+        <p14:creationId xmlns:p14="http://schemas.microsoft.com/office/powerpoint/2010/main" val="2312390281"/>
       </p:ext>
     </p:extLst>
   </p:cSld>
@@ -2700,12 +2688,12 @@
       </p:grpSpPr>
       <p:sp>
         <p:nvSpPr>
-          <p:cNvPr id="2" name="标题 1"/>
+          <p:cNvPr id="4" name="标题 3"/>
           <p:cNvSpPr>
             <a:spLocks noGrp="1"/>
           </p:cNvSpPr>
           <p:nvPr>
-            <p:ph type="title"/>
+            <p:ph type="ctrTitle"/>
           </p:nvPr>
         </p:nvSpPr>
         <p:spPr/>
@@ -2714,63 +2702,9 @@
           <a:lstStyle/>
           <a:p>
             <a:r>
-              <a:rPr lang="zh-CN" altLang="en-US" dirty="0"/>
-              <a:t>最终方案：自适应的增强学习方法</a:t>
-            </a:r>
-          </a:p>
-        </p:txBody>
-      </p:sp>
-      <p:sp>
-        <p:nvSpPr>
-          <p:cNvPr id="3" name="内容占位符 2"/>
-          <p:cNvSpPr>
-            <a:spLocks noGrp="1"/>
-          </p:cNvSpPr>
-          <p:nvPr>
-            <p:ph sz="quarter" idx="10"/>
-          </p:nvPr>
-        </p:nvSpPr>
-        <p:spPr/>
-        <p:txBody>
-          <a:bodyPr/>
-          <a:lstStyle/>
-          <a:p>
-            <a:r>
-              <a:rPr lang="zh-CN" altLang="en-US" dirty="0" smtClean="0"/>
-              <a:t>为了能迭代更多次，可以对训练用模拟器作优化</a:t>
-            </a:r>
-            <a:endParaRPr lang="en-US" altLang="zh-CN" dirty="0" smtClean="0"/>
-          </a:p>
-          <a:p>
-            <a:pPr lvl="1"/>
-            <a:r>
-              <a:rPr lang="zh-CN" altLang="en-US" dirty="0" smtClean="0"/>
-              <a:t>每个十字路口用</a:t>
-            </a:r>
-            <a:r>
-              <a:rPr lang="en-US" altLang="zh-CN" dirty="0"/>
-              <a:t> </a:t>
-            </a:r>
-            <a:r>
-              <a:rPr lang="en-US" altLang="zh-CN" dirty="0" smtClean="0"/>
-              <a:t>12 </a:t>
-            </a:r>
-            <a:r>
-              <a:rPr lang="zh-CN" altLang="en-US" dirty="0" smtClean="0"/>
-              <a:t>位整数位压各条路的亮灯状态，预处理出各种情况下的交通规则惩罚</a:t>
-            </a:r>
-            <a:endParaRPr lang="en-US" altLang="zh-CN" dirty="0" smtClean="0"/>
-          </a:p>
-          <a:p>
-            <a:pPr lvl="1"/>
-            <a:r>
-              <a:rPr lang="zh-CN" altLang="en-US" dirty="0" smtClean="0"/>
-              <a:t>与处理出线下表的每一时刻的红灯已等待时间，进行一次翻转后，只对翻转路口的之后时刻的红灯等待时间更新，快速算出公平性原则罚时</a:t>
-            </a:r>
-            <a:endParaRPr lang="en-US" altLang="zh-CN" dirty="0" smtClean="0"/>
-          </a:p>
-          <a:p>
-            <a:pPr lvl="1"/>
+              <a:rPr lang="en-US" altLang="zh-CN" dirty="0" smtClean="0"/>
+              <a:t>Thanks</a:t>
+            </a:r>
             <a:endParaRPr lang="zh-CN" altLang="en-US" dirty="0"/>
           </a:p>
         </p:txBody>
@@ -2778,218 +2712,20 @@
     </p:spTree>
     <p:extLst>
       <p:ext uri="{BB962C8B-B14F-4D97-AF65-F5344CB8AC3E}">
-        <p14:creationId xmlns:p14="http://schemas.microsoft.com/office/powerpoint/2010/main" val="2312390281"/>
+        <p14:creationId xmlns:p14="http://schemas.microsoft.com/office/powerpoint/2010/main" val="1861274250"/>
       </p:ext>
     </p:extLst>
   </p:cSld>
   <p:clrMapOvr>
     <a:masterClrMapping/>
   </p:clrMapOvr>
-</p:sld>
-</file>
-
-<file path=ppt/slides/slide18.xml><?xml version="1.0" encoding="utf-8"?>
-<p:sld xmlns:a="http://schemas.openxmlformats.org/drawingml/2006/main" xmlns:r="http://schemas.openxmlformats.org/officeDocument/2006/relationships" xmlns:p="http://schemas.openxmlformats.org/presentationml/2006/main">
-  <p:cSld>
-    <p:spTree>
-      <p:nvGrpSpPr>
-        <p:cNvPr id="1" name=""/>
-        <p:cNvGrpSpPr/>
-        <p:nvPr/>
-      </p:nvGrpSpPr>
-      <p:grpSpPr>
-        <a:xfrm>
-          <a:off x="0" y="0"/>
-          <a:ext cx="0" cy="0"/>
-          <a:chOff x="0" y="0"/>
-          <a:chExt cx="0" cy="0"/>
-        </a:xfrm>
-      </p:grpSpPr>
-      <p:sp>
-        <p:nvSpPr>
-          <p:cNvPr id="2" name="标题 1"/>
-          <p:cNvSpPr>
-            <a:spLocks noGrp="1"/>
-          </p:cNvSpPr>
-          <p:nvPr>
-            <p:ph type="title"/>
-          </p:nvPr>
-        </p:nvSpPr>
-        <p:spPr/>
-        <p:txBody>
-          <a:bodyPr/>
-          <a:lstStyle/>
-          <a:p>
-            <a:r>
-              <a:rPr lang="zh-CN" altLang="en-US" dirty="0" smtClean="0"/>
-              <a:t>结合实际：</a:t>
-            </a:r>
-            <a:endParaRPr lang="zh-CN" altLang="en-US" dirty="0"/>
-          </a:p>
-        </p:txBody>
-      </p:sp>
-      <p:sp>
-        <p:nvSpPr>
-          <p:cNvPr id="3" name="内容占位符 2"/>
-          <p:cNvSpPr>
-            <a:spLocks noGrp="1"/>
-          </p:cNvSpPr>
-          <p:nvPr>
-            <p:ph sz="quarter" idx="10"/>
-          </p:nvPr>
-        </p:nvSpPr>
-        <p:spPr/>
-        <p:txBody>
-          <a:bodyPr/>
-          <a:lstStyle/>
-          <a:p>
-            <a:r>
-              <a:rPr lang="zh-CN" altLang="en-US" dirty="0" smtClean="0"/>
-              <a:t>每个路口的灯转向率、通过率都不一样，而且应该动态调整</a:t>
-            </a:r>
-            <a:endParaRPr lang="en-US" altLang="zh-CN" dirty="0" smtClean="0"/>
-          </a:p>
-          <a:p>
-            <a:r>
-              <a:rPr lang="zh-CN" altLang="en-US" dirty="0" smtClean="0"/>
-              <a:t>路面流量可以看作马尔科夫模型，前一天的输出状态对本天的训练有较大意义</a:t>
-            </a:r>
-            <a:endParaRPr lang="en-US" altLang="zh-CN" dirty="0" smtClean="0"/>
-          </a:p>
-          <a:p>
-            <a:r>
-              <a:rPr lang="zh-CN" altLang="en-US" dirty="0" smtClean="0"/>
-              <a:t>应考虑道路阻尼</a:t>
-            </a:r>
-            <a:endParaRPr lang="en-US" altLang="zh-CN" dirty="0" smtClean="0"/>
-          </a:p>
-          <a:p>
-            <a:r>
-              <a:rPr lang="zh-CN" altLang="en-US" dirty="0" smtClean="0"/>
-              <a:t>应严格遵守红绿灯规则</a:t>
-            </a:r>
-            <a:endParaRPr lang="en-US" altLang="zh-CN" dirty="0" smtClean="0"/>
-          </a:p>
-        </p:txBody>
-      </p:sp>
-    </p:spTree>
-    <p:extLst>
-      <p:ext uri="{BB962C8B-B14F-4D97-AF65-F5344CB8AC3E}">
-        <p14:creationId xmlns:p14="http://schemas.microsoft.com/office/powerpoint/2010/main" val="2687098304"/>
-      </p:ext>
-    </p:extLst>
-  </p:cSld>
-  <p:clrMapOvr>
-    <a:masterClrMapping/>
-  </p:clrMapOvr>
-</p:sld>
-</file>
-
-<file path=ppt/slides/slide19.xml><?xml version="1.0" encoding="utf-8"?>
-<p:sld xmlns:a="http://schemas.openxmlformats.org/drawingml/2006/main" xmlns:r="http://schemas.openxmlformats.org/officeDocument/2006/relationships" xmlns:p="http://schemas.openxmlformats.org/presentationml/2006/main">
-  <p:cSld>
-    <p:spTree>
-      <p:nvGrpSpPr>
-        <p:cNvPr id="1" name=""/>
-        <p:cNvGrpSpPr/>
-        <p:nvPr/>
-      </p:nvGrpSpPr>
-      <p:grpSpPr>
-        <a:xfrm>
-          <a:off x="0" y="0"/>
-          <a:ext cx="0" cy="0"/>
-          <a:chOff x="0" y="0"/>
-          <a:chExt cx="0" cy="0"/>
-        </a:xfrm>
-      </p:grpSpPr>
-      <p:sp>
-        <p:nvSpPr>
-          <p:cNvPr id="2" name="标题 1"/>
-          <p:cNvSpPr>
-            <a:spLocks noGrp="1"/>
-          </p:cNvSpPr>
-          <p:nvPr>
-            <p:ph type="title"/>
-          </p:nvPr>
-        </p:nvSpPr>
-        <p:spPr/>
-        <p:txBody>
-          <a:bodyPr/>
-          <a:lstStyle/>
-          <a:p>
-            <a:r>
-              <a:rPr lang="zh-CN" altLang="en-US" dirty="0" smtClean="0"/>
-              <a:t>情怀感悟：</a:t>
-            </a:r>
-            <a:endParaRPr lang="zh-CN" altLang="en-US" dirty="0"/>
-          </a:p>
-        </p:txBody>
-      </p:sp>
-      <p:sp>
-        <p:nvSpPr>
-          <p:cNvPr id="3" name="内容占位符 2"/>
-          <p:cNvSpPr>
-            <a:spLocks noGrp="1"/>
-          </p:cNvSpPr>
-          <p:nvPr>
-            <p:ph sz="quarter" idx="10"/>
-          </p:nvPr>
-        </p:nvSpPr>
-        <p:spPr/>
-        <p:txBody>
-          <a:bodyPr/>
-          <a:lstStyle/>
-          <a:p>
-            <a:r>
-              <a:rPr lang="zh-CN" altLang="en-US" dirty="0" smtClean="0"/>
-              <a:t>本次大赛提升了我们如下能力：</a:t>
-            </a:r>
-            <a:endParaRPr lang="en-US" altLang="zh-CN" dirty="0" smtClean="0"/>
-          </a:p>
-          <a:p>
-            <a:pPr lvl="1"/>
-            <a:r>
-              <a:rPr lang="zh-CN" altLang="en-US" dirty="0" smtClean="0"/>
-              <a:t>对复杂问题建模</a:t>
-            </a:r>
-            <a:endParaRPr lang="en-US" altLang="zh-CN" dirty="0" smtClean="0"/>
-          </a:p>
-          <a:p>
-            <a:pPr lvl="1"/>
-            <a:r>
-              <a:rPr lang="zh-CN" altLang="en-US" dirty="0" smtClean="0"/>
-              <a:t>用非确定的算法解决优化类问题</a:t>
-            </a:r>
-            <a:endParaRPr lang="en-US" altLang="zh-CN" dirty="0" smtClean="0"/>
-          </a:p>
-          <a:p>
-            <a:pPr lvl="1"/>
-            <a:r>
-              <a:rPr lang="zh-CN" altLang="en-US" dirty="0" smtClean="0"/>
-              <a:t>脚本语言数据分析能力</a:t>
-            </a:r>
-            <a:endParaRPr lang="en-US" altLang="zh-CN" dirty="0" smtClean="0"/>
-          </a:p>
-          <a:p>
-            <a:pPr lvl="1"/>
-            <a:r>
-              <a:rPr lang="zh-CN" altLang="en-US" dirty="0" smtClean="0"/>
-              <a:t>数据可视化的能力</a:t>
-            </a:r>
-            <a:endParaRPr lang="zh-CN" altLang="en-US" dirty="0"/>
-          </a:p>
-        </p:txBody>
-      </p:sp>
-    </p:spTree>
-    <p:extLst>
-      <p:ext uri="{BB962C8B-B14F-4D97-AF65-F5344CB8AC3E}">
-        <p14:creationId xmlns:p14="http://schemas.microsoft.com/office/powerpoint/2010/main" val="4275726563"/>
-      </p:ext>
-    </p:extLst>
-  </p:cSld>
-  <p:clrMapOvr>
-    <a:masterClrMapping/>
-  </p:clrMapOvr>
+  <p:timing>
+    <p:tnLst>
+      <p:par>
+        <p:cTn id="1" dur="indefinite" restart="never" nodeType="tmRoot"/>
+      </p:par>
+    </p:tnLst>
+  </p:timing>
 </p:sld>
 </file>
 
@@ -3110,21 +2846,7 @@
                 <a:latin typeface="Microsoft YaHei UI Light" panose="020B0502040204020203" pitchFamily="34" charset="-122"/>
                 <a:ea typeface="Microsoft YaHei UI Light" panose="020B0502040204020203" pitchFamily="34" charset="-122"/>
               </a:rPr>
-              <a:t>朱</a:t>
-            </a:r>
-            <a:r>
-              <a:rPr lang="zh-CN" altLang="en-US" dirty="0" smtClean="0">
-                <a:latin typeface="Microsoft YaHei UI Light" panose="020B0502040204020203" pitchFamily="34" charset="-122"/>
-                <a:ea typeface="Microsoft YaHei UI Light" panose="020B0502040204020203" pitchFamily="34" charset="-122"/>
-              </a:rPr>
-              <a:t>思</a:t>
-            </a:r>
-            <a:r>
-              <a:rPr lang="zh-CN" altLang="en-US" dirty="0" smtClean="0">
-                <a:latin typeface="Microsoft YaHei UI Light" panose="020B0502040204020203" pitchFamily="34" charset="-122"/>
-                <a:ea typeface="Microsoft YaHei UI Light" panose="020B0502040204020203" pitchFamily="34" charset="-122"/>
-              </a:rPr>
-              <a:t>晓</a:t>
+              <a:t>朱思晓</a:t>
             </a:r>
             <a:r>
               <a:rPr lang="en-US" altLang="zh-CN" dirty="0" smtClean="0">
@@ -3133,10 +2855,6 @@
               </a:rPr>
               <a:t>)</a:t>
             </a:r>
-            <a:endParaRPr lang="en-US" altLang="zh-CN" dirty="0" smtClean="0">
-              <a:latin typeface="Microsoft YaHei UI Light" panose="020B0502040204020203" pitchFamily="34" charset="-122"/>
-              <a:ea typeface="Microsoft YaHei UI Light" panose="020B0502040204020203" pitchFamily="34" charset="-122"/>
-            </a:endParaRPr>
           </a:p>
           <a:p>
             <a:pPr marL="685800" lvl="2" indent="0">
@@ -3207,10 +2925,6 @@
               </a:rPr>
               <a:t>)</a:t>
             </a:r>
-            <a:endParaRPr lang="en-US" altLang="zh-CN" dirty="0" smtClean="0">
-              <a:latin typeface="Microsoft YaHei UI Light" panose="020B0502040204020203" pitchFamily="34" charset="-122"/>
-              <a:ea typeface="Microsoft YaHei UI Light" panose="020B0502040204020203" pitchFamily="34" charset="-122"/>
-            </a:endParaRPr>
           </a:p>
           <a:p>
             <a:pPr marL="685800" lvl="2" indent="0">
@@ -3223,10 +2937,6 @@
               </a:rPr>
               <a:t>Algorithm, parameters</a:t>
             </a:r>
-            <a:endParaRPr lang="en-US" altLang="zh-CN" dirty="0" smtClean="0">
-              <a:latin typeface="Microsoft YaHei UI Light" panose="020B0502040204020203" pitchFamily="34" charset="-122"/>
-              <a:ea typeface="Microsoft YaHei UI Light" panose="020B0502040204020203" pitchFamily="34" charset="-122"/>
-            </a:endParaRPr>
           </a:p>
         </p:txBody>
       </p:sp>
@@ -3247,59 +2957,6 @@
       </p:par>
     </p:tnLst>
   </p:timing>
-</p:sld>
-</file>
-
-<file path=ppt/slides/slide20.xml><?xml version="1.0" encoding="utf-8"?>
-<p:sld xmlns:a="http://schemas.openxmlformats.org/drawingml/2006/main" xmlns:r="http://schemas.openxmlformats.org/officeDocument/2006/relationships" xmlns:p="http://schemas.openxmlformats.org/presentationml/2006/main">
-  <p:cSld>
-    <p:spTree>
-      <p:nvGrpSpPr>
-        <p:cNvPr id="1" name=""/>
-        <p:cNvGrpSpPr/>
-        <p:nvPr/>
-      </p:nvGrpSpPr>
-      <p:grpSpPr>
-        <a:xfrm>
-          <a:off x="0" y="0"/>
-          <a:ext cx="0" cy="0"/>
-          <a:chOff x="0" y="0"/>
-          <a:chExt cx="0" cy="0"/>
-        </a:xfrm>
-      </p:grpSpPr>
-      <p:sp>
-        <p:nvSpPr>
-          <p:cNvPr id="4" name="标题 3"/>
-          <p:cNvSpPr>
-            <a:spLocks noGrp="1"/>
-          </p:cNvSpPr>
-          <p:nvPr>
-            <p:ph type="ctrTitle"/>
-          </p:nvPr>
-        </p:nvSpPr>
-        <p:spPr/>
-        <p:txBody>
-          <a:bodyPr/>
-          <a:lstStyle/>
-          <a:p>
-            <a:r>
-              <a:rPr lang="zh-CN" altLang="en-US" dirty="0" smtClean="0"/>
-              <a:t>谢谢！</a:t>
-            </a:r>
-            <a:endParaRPr lang="zh-CN" altLang="en-US" dirty="0"/>
-          </a:p>
-        </p:txBody>
-      </p:sp>
-    </p:spTree>
-    <p:extLst>
-      <p:ext uri="{BB962C8B-B14F-4D97-AF65-F5344CB8AC3E}">
-        <p14:creationId xmlns:p14="http://schemas.microsoft.com/office/powerpoint/2010/main" val="1861274250"/>
-      </p:ext>
-    </p:extLst>
-  </p:cSld>
-  <p:clrMapOvr>
-    <a:masterClrMapping/>
-  </p:clrMapOvr>
 </p:sld>
 </file>
 
@@ -3375,51 +3032,961 @@
           <a:lstStyle/>
           <a:p>
             <a:r>
-              <a:rPr lang="zh-CN" altLang="en-US" dirty="0" smtClean="0"/>
-              <a:t>智能红绿灯应该是以保证全局最大通行量为目标，可以根据路面实际情况自适应调整的交通控制体系</a:t>
+              <a:rPr lang="en-US" altLang="zh-CN" dirty="0" smtClean="0"/>
+              <a:t>This is more of a abstract, complex optimization problem, rather than a real traffic problem</a:t>
+            </a:r>
+            <a:r>
+              <a:rPr lang="en-US" altLang="zh-CN" dirty="0" smtClean="0"/>
+              <a:t>.</a:t>
             </a:r>
             <a:endParaRPr lang="en-US" altLang="zh-CN" dirty="0" smtClean="0"/>
-          </a:p>
-          <a:p>
-            <a:endParaRPr lang="en-US" altLang="zh-CN" dirty="0"/>
-          </a:p>
-          <a:p>
-            <a:r>
-              <a:rPr lang="zh-CN" altLang="en-US" dirty="0" smtClean="0"/>
-              <a:t>智能红绿灯应能适应更多实际情况：</a:t>
-            </a:r>
-            <a:endParaRPr lang="en-US" altLang="zh-CN" dirty="0" smtClean="0"/>
-          </a:p>
-          <a:p>
-            <a:pPr lvl="1"/>
-            <a:r>
-              <a:rPr lang="zh-CN" altLang="en-US" dirty="0" smtClean="0">
-                <a:latin typeface="Microsoft YaHei UI Light" panose="020B0502040204020203" pitchFamily="34" charset="-122"/>
-                <a:ea typeface="Microsoft YaHei UI Light" panose="020B0502040204020203" pitchFamily="34" charset="-122"/>
-              </a:rPr>
-              <a:t>路面突发事件，如引导绕行交通事故现场</a:t>
-            </a:r>
-            <a:endParaRPr lang="en-US" altLang="zh-CN" dirty="0" smtClean="0">
-              <a:latin typeface="Microsoft YaHei UI Light" panose="020B0502040204020203" pitchFamily="34" charset="-122"/>
-              <a:ea typeface="Microsoft YaHei UI Light" panose="020B0502040204020203" pitchFamily="34" charset="-122"/>
-            </a:endParaRPr>
-          </a:p>
-          <a:p>
-            <a:pPr lvl="1"/>
-            <a:r>
-              <a:rPr lang="zh-CN" altLang="en-US" dirty="0" smtClean="0">
-                <a:latin typeface="Microsoft YaHei UI Light" panose="020B0502040204020203" pitchFamily="34" charset="-122"/>
-                <a:ea typeface="Microsoft YaHei UI Light" panose="020B0502040204020203" pitchFamily="34" charset="-122"/>
-              </a:rPr>
-              <a:t>特殊日期的交通趋势，如节假日</a:t>
-            </a:r>
-            <a:endParaRPr lang="zh-CN" altLang="en-US" dirty="0">
-              <a:latin typeface="Microsoft YaHei UI Light" panose="020B0502040204020203" pitchFamily="34" charset="-122"/>
-              <a:ea typeface="Microsoft YaHei UI Light" panose="020B0502040204020203" pitchFamily="34" charset="-122"/>
-            </a:endParaRPr>
           </a:p>
         </p:txBody>
       </p:sp>
+      <p:sp>
+        <p:nvSpPr>
+          <p:cNvPr id="4" name="Rounded Rectangle 3"/>
+          <p:cNvSpPr/>
+          <p:nvPr/>
+        </p:nvSpPr>
+        <p:spPr>
+          <a:xfrm>
+            <a:off x="4874387" y="3562192"/>
+            <a:ext cx="1473958" cy="1637732"/>
+          </a:xfrm>
+          <a:prstGeom prst="roundRect">
+            <a:avLst/>
+          </a:prstGeom>
+          <a:noFill/>
+        </p:spPr>
+        <p:style>
+          <a:lnRef idx="2">
+            <a:schemeClr val="accent1">
+              <a:shade val="50000"/>
+            </a:schemeClr>
+          </a:lnRef>
+          <a:fillRef idx="1">
+            <a:schemeClr val="accent1"/>
+          </a:fillRef>
+          <a:effectRef idx="0">
+            <a:schemeClr val="accent1"/>
+          </a:effectRef>
+          <a:fontRef idx="minor">
+            <a:schemeClr val="lt1"/>
+          </a:fontRef>
+        </p:style>
+        <p:txBody>
+          <a:bodyPr rtlCol="0" anchor="ctr"/>
+          <a:lstStyle/>
+          <a:p>
+            <a:pPr algn="ctr"/>
+            <a:endParaRPr lang="en-US"/>
+          </a:p>
+        </p:txBody>
+      </p:sp>
+      <p:cxnSp>
+        <p:nvCxnSpPr>
+          <p:cNvPr id="7" name="Straight Connector 6"/>
+          <p:cNvCxnSpPr/>
+          <p:nvPr/>
+        </p:nvCxnSpPr>
+        <p:spPr>
+          <a:xfrm>
+            <a:off x="4503761" y="3054219"/>
+            <a:ext cx="0" cy="2736376"/>
+          </a:xfrm>
+          <a:prstGeom prst="line">
+            <a:avLst/>
+          </a:prstGeom>
+        </p:spPr>
+        <p:style>
+          <a:lnRef idx="1">
+            <a:schemeClr val="accent1"/>
+          </a:lnRef>
+          <a:fillRef idx="0">
+            <a:schemeClr val="accent1"/>
+          </a:fillRef>
+          <a:effectRef idx="0">
+            <a:schemeClr val="accent1"/>
+          </a:effectRef>
+          <a:fontRef idx="minor">
+            <a:schemeClr val="tx1"/>
+          </a:fontRef>
+        </p:style>
+      </p:cxnSp>
+      <p:sp>
+        <p:nvSpPr>
+          <p:cNvPr id="8" name="Rounded Rectangle 7"/>
+          <p:cNvSpPr/>
+          <p:nvPr/>
+        </p:nvSpPr>
+        <p:spPr>
+          <a:xfrm>
+            <a:off x="2422687" y="3528199"/>
+            <a:ext cx="1473958" cy="1637732"/>
+          </a:xfrm>
+          <a:prstGeom prst="roundRect">
+            <a:avLst/>
+          </a:prstGeom>
+          <a:noFill/>
+        </p:spPr>
+        <p:style>
+          <a:lnRef idx="2">
+            <a:schemeClr val="accent1">
+              <a:shade val="50000"/>
+            </a:schemeClr>
+          </a:lnRef>
+          <a:fillRef idx="1">
+            <a:schemeClr val="accent1"/>
+          </a:fillRef>
+          <a:effectRef idx="0">
+            <a:schemeClr val="accent1"/>
+          </a:effectRef>
+          <a:fontRef idx="minor">
+            <a:schemeClr val="lt1"/>
+          </a:fontRef>
+        </p:style>
+        <p:txBody>
+          <a:bodyPr rtlCol="0" anchor="ctr"/>
+          <a:lstStyle/>
+          <a:p>
+            <a:pPr algn="ctr"/>
+            <a:endParaRPr lang="en-US"/>
+          </a:p>
+        </p:txBody>
+      </p:sp>
+      <p:graphicFrame>
+        <p:nvGraphicFramePr>
+          <p:cNvPr id="9" name="Table 8"/>
+          <p:cNvGraphicFramePr>
+            <a:graphicFrameLocks noGrp="1"/>
+          </p:cNvGraphicFramePr>
+          <p:nvPr>
+            <p:extLst>
+              <p:ext uri="{D42A27DB-BD31-4B8C-83A1-F6EECF244321}">
+                <p14:modId xmlns:p14="http://schemas.microsoft.com/office/powerpoint/2010/main" val="3150353861"/>
+              </p:ext>
+            </p:extLst>
+          </p:nvPr>
+        </p:nvGraphicFramePr>
+        <p:xfrm>
+          <a:off x="6939033" y="3054219"/>
+          <a:ext cx="1986603" cy="3106420"/>
+        </p:xfrm>
+        <a:graphic>
+          <a:graphicData uri="http://schemas.openxmlformats.org/drawingml/2006/table">
+            <a:tbl>
+              <a:tblPr firstRow="1" bandRow="1">
+                <a:tableStyleId>{5940675A-B579-460E-94D1-54222C63F5DA}</a:tableStyleId>
+              </a:tblPr>
+              <a:tblGrid>
+                <a:gridCol w="1986603"/>
+              </a:tblGrid>
+              <a:tr h="0">
+                <a:tc>
+                  <a:txBody>
+                    <a:bodyPr/>
+                    <a:lstStyle/>
+                    <a:p>
+                      <a:r>
+                        <a:rPr lang="en-US" dirty="0" smtClean="0"/>
+                        <a:t>8</a:t>
+                      </a:r>
+                      <a:r>
+                        <a:rPr lang="en-US" baseline="30000" dirty="0" smtClean="0"/>
+                        <a:t>th</a:t>
+                      </a:r>
+                      <a:r>
+                        <a:rPr lang="en-US" dirty="0" smtClean="0"/>
+                        <a:t> day’s static</a:t>
+                      </a:r>
+                      <a:r>
+                        <a:rPr lang="en-US" baseline="0" dirty="0" smtClean="0"/>
+                        <a:t> flow (based on real traffic data of </a:t>
+                      </a:r>
+                      <a:r>
+                        <a:rPr lang="en-US" b="1" baseline="0" dirty="0" smtClean="0"/>
+                        <a:t>Guiyang City, China</a:t>
+                      </a:r>
+                      <a:r>
+                        <a:rPr lang="en-US" baseline="0" dirty="0" smtClean="0"/>
+                        <a:t>)</a:t>
+                      </a:r>
+                      <a:endParaRPr lang="en-US" dirty="0"/>
+                    </a:p>
+                  </a:txBody>
+                  <a:tcPr/>
+                </a:tc>
+              </a:tr>
+              <a:tr h="370840">
+                <a:tc>
+                  <a:txBody>
+                    <a:bodyPr/>
+                    <a:lstStyle/>
+                    <a:p>
+                      <a:r>
+                        <a:rPr lang="en-US" dirty="0" smtClean="0"/>
+                        <a:t>…</a:t>
+                      </a:r>
+                      <a:endParaRPr lang="en-US" dirty="0"/>
+                    </a:p>
+                  </a:txBody>
+                  <a:tcPr/>
+                </a:tc>
+              </a:tr>
+              <a:tr h="370840">
+                <a:tc>
+                  <a:txBody>
+                    <a:bodyPr/>
+                    <a:lstStyle/>
+                    <a:p>
+                      <a:r>
+                        <a:rPr lang="en-US" dirty="0" smtClean="0"/>
+                        <a:t>Flow</a:t>
+                      </a:r>
+                      <a:r>
+                        <a:rPr lang="en-US" baseline="0" dirty="0" smtClean="0"/>
+                        <a:t> distribution of </a:t>
+                      </a:r>
+                      <a:r>
+                        <a:rPr lang="en-US" dirty="0" smtClean="0"/>
+                        <a:t>112</a:t>
+                      </a:r>
+                      <a:r>
+                        <a:rPr lang="en-US" baseline="30000" dirty="0" smtClean="0"/>
+                        <a:t>th</a:t>
+                      </a:r>
+                      <a:r>
+                        <a:rPr lang="en-US" baseline="0" dirty="0" smtClean="0"/>
+                        <a:t> half minute of </a:t>
+                      </a:r>
+                      <a:r>
+                        <a:rPr lang="en-US" dirty="0" smtClean="0"/>
+                        <a:t>16</a:t>
+                      </a:r>
+                      <a:r>
+                        <a:rPr lang="en-US" baseline="30000" dirty="0" smtClean="0"/>
+                        <a:t>th</a:t>
+                      </a:r>
+                      <a:r>
+                        <a:rPr lang="en-US" baseline="0" dirty="0" smtClean="0"/>
+                        <a:t> hour</a:t>
+                      </a:r>
+                      <a:endParaRPr lang="en-US" dirty="0"/>
+                    </a:p>
+                  </a:txBody>
+                  <a:tcPr/>
+                </a:tc>
+              </a:tr>
+              <a:tr h="370840">
+                <a:tc>
+                  <a:txBody>
+                    <a:bodyPr/>
+                    <a:lstStyle/>
+                    <a:p>
+                      <a:r>
+                        <a:rPr lang="en-US" dirty="0" smtClean="0"/>
+                        <a:t>113</a:t>
+                      </a:r>
+                      <a:r>
+                        <a:rPr lang="en-US" baseline="30000" dirty="0" smtClean="0"/>
+                        <a:t>th</a:t>
+                      </a:r>
+                      <a:r>
+                        <a:rPr lang="en-US" baseline="0" dirty="0" smtClean="0"/>
+                        <a:t>m of 16</a:t>
+                      </a:r>
+                      <a:r>
+                        <a:rPr lang="en-US" baseline="30000" dirty="0" smtClean="0"/>
+                        <a:t>th</a:t>
+                      </a:r>
+                      <a:r>
+                        <a:rPr lang="en-US" baseline="0" dirty="0" smtClean="0"/>
+                        <a:t>h</a:t>
+                      </a:r>
+                      <a:endParaRPr lang="en-US" dirty="0"/>
+                    </a:p>
+                  </a:txBody>
+                  <a:tcPr/>
+                </a:tc>
+              </a:tr>
+              <a:tr h="370840">
+                <a:tc>
+                  <a:txBody>
+                    <a:bodyPr/>
+                    <a:lstStyle/>
+                    <a:p>
+                      <a:pPr marL="0" marR="0" indent="0" algn="l" defTabSz="685800" rtl="0" eaLnBrk="1" fontAlgn="auto" latinLnBrk="0" hangingPunct="1">
+                        <a:lnSpc>
+                          <a:spcPct val="100000"/>
+                        </a:lnSpc>
+                        <a:spcBef>
+                          <a:spcPts val="0"/>
+                        </a:spcBef>
+                        <a:spcAft>
+                          <a:spcPts val="0"/>
+                        </a:spcAft>
+                        <a:buClrTx/>
+                        <a:buSzTx/>
+                        <a:buFontTx/>
+                        <a:buNone/>
+                        <a:tabLst/>
+                        <a:defRPr/>
+                      </a:pPr>
+                      <a:r>
+                        <a:rPr lang="en-US" dirty="0" smtClean="0"/>
+                        <a:t>114</a:t>
+                      </a:r>
+                      <a:r>
+                        <a:rPr lang="en-US" baseline="30000" dirty="0" smtClean="0"/>
+                        <a:t>th</a:t>
+                      </a:r>
+                      <a:r>
+                        <a:rPr lang="en-US" baseline="0" dirty="0" smtClean="0"/>
+                        <a:t>m of 16</a:t>
+                      </a:r>
+                      <a:r>
+                        <a:rPr lang="en-US" baseline="30000" dirty="0" smtClean="0"/>
+                        <a:t>th</a:t>
+                      </a:r>
+                      <a:r>
+                        <a:rPr lang="en-US" baseline="0" dirty="0" smtClean="0"/>
+                        <a:t>h</a:t>
+                      </a:r>
+                      <a:endParaRPr lang="en-US" dirty="0" smtClean="0"/>
+                    </a:p>
+                  </a:txBody>
+                  <a:tcPr/>
+                </a:tc>
+              </a:tr>
+              <a:tr h="370840">
+                <a:tc>
+                  <a:txBody>
+                    <a:bodyPr/>
+                    <a:lstStyle/>
+                    <a:p>
+                      <a:r>
+                        <a:rPr lang="en-US" dirty="0" smtClean="0"/>
+                        <a:t>…</a:t>
+                      </a:r>
+                      <a:endParaRPr lang="en-US" dirty="0"/>
+                    </a:p>
+                  </a:txBody>
+                  <a:tcPr/>
+                </a:tc>
+              </a:tr>
+            </a:tbl>
+          </a:graphicData>
+        </a:graphic>
+      </p:graphicFrame>
+      <p:sp>
+        <p:nvSpPr>
+          <p:cNvPr id="10" name="Rectangle 9"/>
+          <p:cNvSpPr/>
+          <p:nvPr/>
+        </p:nvSpPr>
+        <p:spPr>
+          <a:xfrm>
+            <a:off x="5087632" y="3863904"/>
+            <a:ext cx="1067938" cy="307075"/>
+          </a:xfrm>
+          <a:prstGeom prst="rect">
+            <a:avLst/>
+          </a:prstGeom>
+          <a:noFill/>
+        </p:spPr>
+        <p:style>
+          <a:lnRef idx="2">
+            <a:schemeClr val="accent1">
+              <a:shade val="50000"/>
+            </a:schemeClr>
+          </a:lnRef>
+          <a:fillRef idx="1">
+            <a:schemeClr val="accent1"/>
+          </a:fillRef>
+          <a:effectRef idx="0">
+            <a:schemeClr val="accent1"/>
+          </a:effectRef>
+          <a:fontRef idx="minor">
+            <a:schemeClr val="lt1"/>
+          </a:fontRef>
+        </p:style>
+        <p:txBody>
+          <a:bodyPr rtlCol="0" anchor="ctr"/>
+          <a:lstStyle/>
+          <a:p>
+            <a:pPr algn="ctr"/>
+            <a:r>
+              <a:rPr lang="en-US" sz="1200" dirty="0" smtClean="0">
+                <a:solidFill>
+                  <a:schemeClr val="tx1"/>
+                </a:solidFill>
+              </a:rPr>
+              <a:t>Flow distribution</a:t>
+            </a:r>
+            <a:endParaRPr lang="en-US" sz="1200" dirty="0">
+              <a:solidFill>
+                <a:schemeClr val="tx1"/>
+              </a:solidFill>
+            </a:endParaRPr>
+          </a:p>
+        </p:txBody>
+      </p:sp>
+      <p:sp>
+        <p:nvSpPr>
+          <p:cNvPr id="11" name="Oval 10"/>
+          <p:cNvSpPr/>
+          <p:nvPr/>
+        </p:nvSpPr>
+        <p:spPr>
+          <a:xfrm>
+            <a:off x="5502183" y="4560914"/>
+            <a:ext cx="238836" cy="266132"/>
+          </a:xfrm>
+          <a:prstGeom prst="ellipse">
+            <a:avLst/>
+          </a:prstGeom>
+          <a:noFill/>
+        </p:spPr>
+        <p:style>
+          <a:lnRef idx="2">
+            <a:schemeClr val="accent1">
+              <a:shade val="50000"/>
+            </a:schemeClr>
+          </a:lnRef>
+          <a:fillRef idx="1">
+            <a:schemeClr val="accent1"/>
+          </a:fillRef>
+          <a:effectRef idx="0">
+            <a:schemeClr val="accent1"/>
+          </a:effectRef>
+          <a:fontRef idx="minor">
+            <a:schemeClr val="lt1"/>
+          </a:fontRef>
+        </p:style>
+        <p:txBody>
+          <a:bodyPr rtlCol="0" anchor="ctr"/>
+          <a:lstStyle/>
+          <a:p>
+            <a:pPr algn="ctr"/>
+            <a:endParaRPr lang="en-US"/>
+          </a:p>
+        </p:txBody>
+      </p:sp>
+      <p:cxnSp>
+        <p:nvCxnSpPr>
+          <p:cNvPr id="13" name="Straight Arrow Connector 12"/>
+          <p:cNvCxnSpPr>
+            <a:stCxn id="10" idx="2"/>
+            <a:endCxn id="11" idx="0"/>
+          </p:cNvCxnSpPr>
+          <p:nvPr/>
+        </p:nvCxnSpPr>
+        <p:spPr>
+          <a:xfrm>
+            <a:off x="5621601" y="4170979"/>
+            <a:ext cx="0" cy="389935"/>
+          </a:xfrm>
+          <a:prstGeom prst="straightConnector1">
+            <a:avLst/>
+          </a:prstGeom>
+          <a:ln>
+            <a:tailEnd type="triangle"/>
+          </a:ln>
+        </p:spPr>
+        <p:style>
+          <a:lnRef idx="1">
+            <a:schemeClr val="accent1"/>
+          </a:lnRef>
+          <a:fillRef idx="0">
+            <a:schemeClr val="accent1"/>
+          </a:fillRef>
+          <a:effectRef idx="0">
+            <a:schemeClr val="accent1"/>
+          </a:effectRef>
+          <a:fontRef idx="minor">
+            <a:schemeClr val="tx1"/>
+          </a:fontRef>
+        </p:style>
+      </p:cxnSp>
+      <p:cxnSp>
+        <p:nvCxnSpPr>
+          <p:cNvPr id="19" name="Curved Connector 18"/>
+          <p:cNvCxnSpPr>
+            <a:stCxn id="32" idx="0"/>
+            <a:endCxn id="11" idx="1"/>
+          </p:cNvCxnSpPr>
+          <p:nvPr/>
+        </p:nvCxnSpPr>
+        <p:spPr>
+          <a:xfrm rot="16200000" flipH="1">
+            <a:off x="4110992" y="3173720"/>
+            <a:ext cx="355424" cy="2496912"/>
+          </a:xfrm>
+          <a:prstGeom prst="curvedConnector3">
+            <a:avLst>
+              <a:gd name="adj1" fmla="val -64318"/>
+            </a:avLst>
+          </a:prstGeom>
+          <a:ln>
+            <a:solidFill>
+              <a:schemeClr val="accent2"/>
+            </a:solidFill>
+            <a:tailEnd type="triangle"/>
+          </a:ln>
+        </p:spPr>
+        <p:style>
+          <a:lnRef idx="1">
+            <a:schemeClr val="accent1"/>
+          </a:lnRef>
+          <a:fillRef idx="0">
+            <a:schemeClr val="accent1"/>
+          </a:fillRef>
+          <a:effectRef idx="0">
+            <a:schemeClr val="accent1"/>
+          </a:effectRef>
+          <a:fontRef idx="minor">
+            <a:schemeClr val="tx1"/>
+          </a:fontRef>
+        </p:style>
+      </p:cxnSp>
+      <p:cxnSp>
+        <p:nvCxnSpPr>
+          <p:cNvPr id="20" name="Curved Connector 19"/>
+          <p:cNvCxnSpPr>
+            <a:stCxn id="11" idx="4"/>
+            <a:endCxn id="32" idx="4"/>
+          </p:cNvCxnSpPr>
+          <p:nvPr/>
+        </p:nvCxnSpPr>
+        <p:spPr>
+          <a:xfrm rot="5400000" flipH="1">
+            <a:off x="4172700" y="3378145"/>
+            <a:ext cx="316450" cy="2581353"/>
+          </a:xfrm>
+          <a:prstGeom prst="curvedConnector3">
+            <a:avLst>
+              <a:gd name="adj1" fmla="val -72239"/>
+            </a:avLst>
+          </a:prstGeom>
+          <a:ln>
+            <a:tailEnd type="triangle"/>
+          </a:ln>
+        </p:spPr>
+        <p:style>
+          <a:lnRef idx="1">
+            <a:schemeClr val="accent1"/>
+          </a:lnRef>
+          <a:fillRef idx="0">
+            <a:schemeClr val="accent1"/>
+          </a:fillRef>
+          <a:effectRef idx="0">
+            <a:schemeClr val="accent1"/>
+          </a:effectRef>
+          <a:fontRef idx="minor">
+            <a:schemeClr val="tx1"/>
+          </a:fontRef>
+        </p:style>
+      </p:cxnSp>
+      <p:cxnSp>
+        <p:nvCxnSpPr>
+          <p:cNvPr id="21" name="Curved Connector 20"/>
+          <p:cNvCxnSpPr>
+            <a:stCxn id="11" idx="4"/>
+            <a:endCxn id="10" idx="1"/>
+          </p:cNvCxnSpPr>
+          <p:nvPr/>
+        </p:nvCxnSpPr>
+        <p:spPr>
+          <a:xfrm rot="5400000" flipH="1">
+            <a:off x="4949815" y="4155260"/>
+            <a:ext cx="809604" cy="533969"/>
+          </a:xfrm>
+          <a:prstGeom prst="curvedConnector4">
+            <a:avLst>
+              <a:gd name="adj1" fmla="val -28236"/>
+              <a:gd name="adj2" fmla="val 142811"/>
+            </a:avLst>
+          </a:prstGeom>
+          <a:ln>
+            <a:tailEnd type="triangle"/>
+          </a:ln>
+        </p:spPr>
+        <p:style>
+          <a:lnRef idx="1">
+            <a:schemeClr val="accent1"/>
+          </a:lnRef>
+          <a:fillRef idx="0">
+            <a:schemeClr val="accent1"/>
+          </a:fillRef>
+          <a:effectRef idx="0">
+            <a:schemeClr val="accent1"/>
+          </a:effectRef>
+          <a:fontRef idx="minor">
+            <a:schemeClr val="tx1"/>
+          </a:fontRef>
+        </p:style>
+      </p:cxnSp>
+      <p:sp>
+        <p:nvSpPr>
+          <p:cNvPr id="32" name="Oval 31"/>
+          <p:cNvSpPr/>
+          <p:nvPr/>
+        </p:nvSpPr>
+        <p:spPr>
+          <a:xfrm>
+            <a:off x="2920830" y="4244464"/>
+            <a:ext cx="238836" cy="266132"/>
+          </a:xfrm>
+          <a:prstGeom prst="ellipse">
+            <a:avLst/>
+          </a:prstGeom>
+          <a:noFill/>
+        </p:spPr>
+        <p:style>
+          <a:lnRef idx="2">
+            <a:schemeClr val="accent1">
+              <a:shade val="50000"/>
+            </a:schemeClr>
+          </a:lnRef>
+          <a:fillRef idx="1">
+            <a:schemeClr val="accent1"/>
+          </a:fillRef>
+          <a:effectRef idx="0">
+            <a:schemeClr val="accent1"/>
+          </a:effectRef>
+          <a:fontRef idx="minor">
+            <a:schemeClr val="lt1"/>
+          </a:fontRef>
+        </p:style>
+        <p:txBody>
+          <a:bodyPr rtlCol="0" anchor="ctr"/>
+          <a:lstStyle/>
+          <a:p>
+            <a:pPr algn="ctr"/>
+            <a:endParaRPr lang="en-US"/>
+          </a:p>
+        </p:txBody>
+      </p:sp>
+      <p:cxnSp>
+        <p:nvCxnSpPr>
+          <p:cNvPr id="41" name="Curved Connector 40"/>
+          <p:cNvCxnSpPr>
+            <a:endCxn id="11" idx="7"/>
+          </p:cNvCxnSpPr>
+          <p:nvPr/>
+        </p:nvCxnSpPr>
+        <p:spPr>
+          <a:xfrm rot="10800000" flipV="1">
+            <a:off x="5706043" y="4101282"/>
+            <a:ext cx="1480789" cy="498606"/>
+          </a:xfrm>
+          <a:prstGeom prst="curvedConnector2">
+            <a:avLst/>
+          </a:prstGeom>
+          <a:ln>
+            <a:tailEnd type="triangle"/>
+          </a:ln>
+        </p:spPr>
+        <p:style>
+          <a:lnRef idx="1">
+            <a:schemeClr val="accent1"/>
+          </a:lnRef>
+          <a:fillRef idx="0">
+            <a:schemeClr val="accent1"/>
+          </a:fillRef>
+          <a:effectRef idx="0">
+            <a:schemeClr val="accent1"/>
+          </a:effectRef>
+          <a:fontRef idx="minor">
+            <a:schemeClr val="tx1"/>
+          </a:fontRef>
+        </p:style>
+      </p:cxnSp>
+      <p:sp>
+        <p:nvSpPr>
+          <p:cNvPr id="48" name="TextBox 47"/>
+          <p:cNvSpPr txBox="1"/>
+          <p:nvPr/>
+        </p:nvSpPr>
+        <p:spPr>
+          <a:xfrm>
+            <a:off x="5706041" y="4565382"/>
+            <a:ext cx="1311043" cy="430887"/>
+          </a:xfrm>
+          <a:prstGeom prst="rect">
+            <a:avLst/>
+          </a:prstGeom>
+          <a:noFill/>
+        </p:spPr>
+        <p:txBody>
+          <a:bodyPr wrap="square" rtlCol="0">
+            <a:spAutoFit/>
+          </a:bodyPr>
+          <a:lstStyle/>
+          <a:p>
+            <a:r>
+              <a:rPr lang="en-US" sz="1100" dirty="0" smtClean="0"/>
+              <a:t>Monitor program (traffic rule)</a:t>
+            </a:r>
+            <a:endParaRPr lang="en-US" sz="1100" dirty="0"/>
+          </a:p>
+        </p:txBody>
+      </p:sp>
+      <p:sp>
+        <p:nvSpPr>
+          <p:cNvPr id="49" name="TextBox 48"/>
+          <p:cNvSpPr txBox="1"/>
+          <p:nvPr/>
+        </p:nvSpPr>
+        <p:spPr>
+          <a:xfrm>
+            <a:off x="3937150" y="4799361"/>
+            <a:ext cx="1311043" cy="261610"/>
+          </a:xfrm>
+          <a:prstGeom prst="rect">
+            <a:avLst/>
+          </a:prstGeom>
+          <a:noFill/>
+        </p:spPr>
+        <p:txBody>
+          <a:bodyPr wrap="square" rtlCol="0">
+            <a:spAutoFit/>
+          </a:bodyPr>
+          <a:lstStyle/>
+          <a:p>
+            <a:r>
+              <a:rPr lang="en-US" sz="1100" dirty="0" smtClean="0"/>
+              <a:t>Current flow</a:t>
+            </a:r>
+            <a:endParaRPr lang="en-US" sz="1100" dirty="0"/>
+          </a:p>
+        </p:txBody>
+      </p:sp>
+      <p:sp>
+        <p:nvSpPr>
+          <p:cNvPr id="50" name="TextBox 49"/>
+          <p:cNvSpPr txBox="1"/>
+          <p:nvPr/>
+        </p:nvSpPr>
+        <p:spPr>
+          <a:xfrm>
+            <a:off x="4944751" y="2976196"/>
+            <a:ext cx="1311043" cy="261610"/>
+          </a:xfrm>
+          <a:prstGeom prst="rect">
+            <a:avLst/>
+          </a:prstGeom>
+          <a:noFill/>
+        </p:spPr>
+        <p:txBody>
+          <a:bodyPr wrap="square" rtlCol="0">
+            <a:spAutoFit/>
+          </a:bodyPr>
+          <a:lstStyle/>
+          <a:p>
+            <a:r>
+              <a:rPr lang="en-US" sz="1100" b="1" dirty="0" smtClean="0"/>
+              <a:t>Online test host</a:t>
+            </a:r>
+            <a:endParaRPr lang="en-US" sz="1100" b="1" dirty="0"/>
+          </a:p>
+        </p:txBody>
+      </p:sp>
+      <p:sp>
+        <p:nvSpPr>
+          <p:cNvPr id="51" name="TextBox 50"/>
+          <p:cNvSpPr txBox="1"/>
+          <p:nvPr/>
+        </p:nvSpPr>
+        <p:spPr>
+          <a:xfrm>
+            <a:off x="1963570" y="2941407"/>
+            <a:ext cx="1311043" cy="430887"/>
+          </a:xfrm>
+          <a:prstGeom prst="rect">
+            <a:avLst/>
+          </a:prstGeom>
+          <a:noFill/>
+        </p:spPr>
+        <p:txBody>
+          <a:bodyPr wrap="square" rtlCol="0">
+            <a:spAutoFit/>
+          </a:bodyPr>
+          <a:lstStyle/>
+          <a:p>
+            <a:r>
+              <a:rPr lang="en-US" sz="1100" b="1" dirty="0" smtClean="0"/>
+              <a:t>Submitted binary program</a:t>
+            </a:r>
+            <a:endParaRPr lang="en-US" sz="1100" b="1" dirty="0"/>
+          </a:p>
+        </p:txBody>
+      </p:sp>
+      <p:sp>
+        <p:nvSpPr>
+          <p:cNvPr id="52" name="TextBox 51"/>
+          <p:cNvSpPr txBox="1"/>
+          <p:nvPr/>
+        </p:nvSpPr>
+        <p:spPr>
+          <a:xfrm>
+            <a:off x="1982552" y="4510192"/>
+            <a:ext cx="1311043" cy="938719"/>
+          </a:xfrm>
+          <a:prstGeom prst="rect">
+            <a:avLst/>
+          </a:prstGeom>
+          <a:noFill/>
+        </p:spPr>
+        <p:txBody>
+          <a:bodyPr wrap="square" rtlCol="0">
+            <a:spAutoFit/>
+          </a:bodyPr>
+          <a:lstStyle/>
+          <a:p>
+            <a:r>
+              <a:rPr lang="en-US" sz="1100" dirty="0" smtClean="0"/>
+              <a:t>Algorithm: Use real time feed back to determine next minute’s schedule</a:t>
+            </a:r>
+            <a:endParaRPr lang="en-US" sz="1100" dirty="0"/>
+          </a:p>
+        </p:txBody>
+      </p:sp>
+      <p:sp>
+        <p:nvSpPr>
+          <p:cNvPr id="53" name="TextBox 52"/>
+          <p:cNvSpPr txBox="1"/>
+          <p:nvPr/>
+        </p:nvSpPr>
+        <p:spPr>
+          <a:xfrm>
+            <a:off x="3886404" y="3603989"/>
+            <a:ext cx="1311043" cy="430887"/>
+          </a:xfrm>
+          <a:prstGeom prst="rect">
+            <a:avLst/>
+          </a:prstGeom>
+          <a:noFill/>
+        </p:spPr>
+        <p:txBody>
+          <a:bodyPr wrap="square" rtlCol="0">
+            <a:spAutoFit/>
+          </a:bodyPr>
+          <a:lstStyle/>
+          <a:p>
+            <a:r>
+              <a:rPr lang="en-US" sz="1100" dirty="0"/>
+              <a:t>Schedule (traffic light status)</a:t>
+            </a:r>
+            <a:endParaRPr lang="en-US" sz="1100" dirty="0"/>
+          </a:p>
+        </p:txBody>
+      </p:sp>
+      <p:graphicFrame>
+        <p:nvGraphicFramePr>
+          <p:cNvPr id="54" name="Table 53"/>
+          <p:cNvGraphicFramePr>
+            <a:graphicFrameLocks noGrp="1"/>
+          </p:cNvGraphicFramePr>
+          <p:nvPr>
+            <p:extLst>
+              <p:ext uri="{D42A27DB-BD31-4B8C-83A1-F6EECF244321}">
+                <p14:modId xmlns:p14="http://schemas.microsoft.com/office/powerpoint/2010/main" val="3910456562"/>
+              </p:ext>
+            </p:extLst>
+          </p:nvPr>
+        </p:nvGraphicFramePr>
+        <p:xfrm>
+          <a:off x="305044" y="3603990"/>
+          <a:ext cx="1179873" cy="1456982"/>
+        </p:xfrm>
+        <a:graphic>
+          <a:graphicData uri="http://schemas.openxmlformats.org/drawingml/2006/table">
+            <a:tbl>
+              <a:tblPr firstRow="1" bandRow="1">
+                <a:tableStyleId>{5940675A-B579-460E-94D1-54222C63F5DA}</a:tableStyleId>
+              </a:tblPr>
+              <a:tblGrid>
+                <a:gridCol w="1179873"/>
+              </a:tblGrid>
+              <a:tr h="997028">
+                <a:tc>
+                  <a:txBody>
+                    <a:bodyPr/>
+                    <a:lstStyle/>
+                    <a:p>
+                      <a:r>
+                        <a:rPr lang="en-US" sz="1050" dirty="0" smtClean="0"/>
+                        <a:t>Given 7</a:t>
+                      </a:r>
+                      <a:r>
+                        <a:rPr lang="en-US" sz="1050" baseline="0" dirty="0" smtClean="0"/>
+                        <a:t> days’ static flow as training data</a:t>
+                      </a:r>
+                      <a:endParaRPr lang="en-US" sz="1050" dirty="0"/>
+                    </a:p>
+                  </a:txBody>
+                  <a:tcPr/>
+                </a:tc>
+              </a:tr>
+              <a:tr h="459954">
+                <a:tc>
+                  <a:txBody>
+                    <a:bodyPr/>
+                    <a:lstStyle/>
+                    <a:p>
+                      <a:r>
+                        <a:rPr lang="en-US" dirty="0" smtClean="0"/>
+                        <a:t>…</a:t>
+                      </a:r>
+                      <a:endParaRPr lang="en-US" dirty="0"/>
+                    </a:p>
+                  </a:txBody>
+                  <a:tcPr/>
+                </a:tc>
+              </a:tr>
+            </a:tbl>
+          </a:graphicData>
+        </a:graphic>
+      </p:graphicFrame>
+      <p:cxnSp>
+        <p:nvCxnSpPr>
+          <p:cNvPr id="59" name="Curved Connector 58"/>
+          <p:cNvCxnSpPr>
+            <a:stCxn id="54" idx="3"/>
+          </p:cNvCxnSpPr>
+          <p:nvPr/>
+        </p:nvCxnSpPr>
+        <p:spPr>
+          <a:xfrm>
+            <a:off x="1484917" y="4332481"/>
+            <a:ext cx="1435913" cy="89694"/>
+          </a:xfrm>
+          <a:prstGeom prst="curvedConnector3">
+            <a:avLst>
+              <a:gd name="adj1" fmla="val 50000"/>
+            </a:avLst>
+          </a:prstGeom>
+          <a:ln>
+            <a:tailEnd type="triangle"/>
+          </a:ln>
+        </p:spPr>
+        <p:style>
+          <a:lnRef idx="1">
+            <a:schemeClr val="accent1"/>
+          </a:lnRef>
+          <a:fillRef idx="0">
+            <a:schemeClr val="accent1"/>
+          </a:fillRef>
+          <a:effectRef idx="0">
+            <a:schemeClr val="accent1"/>
+          </a:effectRef>
+          <a:fontRef idx="minor">
+            <a:schemeClr val="tx1"/>
+          </a:fontRef>
+        </p:style>
+      </p:cxnSp>
     </p:spTree>
     <p:extLst>
       <p:ext uri="{BB962C8B-B14F-4D97-AF65-F5344CB8AC3E}">
@@ -3705,14 +4272,7 @@
                 <a:latin typeface="Microsoft YaHei UI Light" panose="020B0502040204020203" pitchFamily="34" charset="-122"/>
                 <a:ea typeface="Microsoft YaHei UI Light" panose="020B0502040204020203" pitchFamily="34" charset="-122"/>
               </a:rPr>
-              <a:t>On the granularity of “Hour”, traffic </a:t>
-            </a:r>
-            <a:r>
-              <a:rPr lang="en-US" altLang="zh-CN" dirty="0" smtClean="0">
-                <a:latin typeface="Microsoft YaHei UI Light" panose="020B0502040204020203" pitchFamily="34" charset="-122"/>
-                <a:ea typeface="Microsoft YaHei UI Light" panose="020B0502040204020203" pitchFamily="34" charset="-122"/>
-              </a:rPr>
-              <a:t>may burst.</a:t>
+              <a:t>On the granularity of “Hour”, traffic may burst.</a:t>
             </a:r>
             <a:endParaRPr lang="en-US" altLang="zh-CN" dirty="0" smtClean="0"/>
           </a:p>
@@ -3758,6 +4318,13 @@
   <p:clrMapOvr>
     <a:masterClrMapping/>
   </p:clrMapOvr>
+  <p:timing>
+    <p:tnLst>
+      <p:par>
+        <p:cTn id="1" dur="indefinite" restart="never" nodeType="tmRoot"/>
+      </p:par>
+    </p:tnLst>
+  </p:timing>
 </p:sld>
 </file>
 
@@ -3829,12 +4396,12 @@
               <a:t> day, some roads could be </a:t>
             </a:r>
             <a:r>
-              <a:rPr lang="en-US" altLang="zh-CN" sz="1600" dirty="0" err="1" smtClean="0"/>
-              <a:t>reasonablely</a:t>
-            </a:r>
-            <a:r>
               <a:rPr lang="en-US" altLang="zh-CN" sz="1600" dirty="0" smtClean="0"/>
-              <a:t> predicted </a:t>
+              <a:t>reasonably </a:t>
+            </a:r>
+            <a:r>
+              <a:rPr lang="en-US" altLang="zh-CN" sz="1600" dirty="0" smtClean="0"/>
+              <a:t>predicted </a:t>
             </a:r>
             <a:r>
               <a:rPr lang="en-US" altLang="zh-CN" sz="1600" b="1" dirty="0" smtClean="0"/>
@@ -3850,11 +4417,19 @@
             </a:r>
             <a:r>
               <a:rPr lang="en-US" altLang="zh-CN" sz="1600" dirty="0" smtClean="0"/>
-              <a:t> day’s average traffic is lower than normal), but these are mostly low-traffic roads, which is not </a:t>
-            </a:r>
-            <a:r>
-              <a:rPr lang="en-US" altLang="zh-CN" sz="1600" dirty="0" err="1" smtClean="0"/>
-              <a:t>significat</a:t>
+              <a:t> day’s average traffic is lower than normal), but these are mostly </a:t>
+            </a:r>
+            <a:r>
+              <a:rPr lang="en-US" altLang="zh-CN" sz="1600" b="1" dirty="0" smtClean="0"/>
+              <a:t>low-traffic roads</a:t>
+            </a:r>
+            <a:r>
+              <a:rPr lang="en-US" altLang="zh-CN" sz="1600" dirty="0" smtClean="0"/>
+              <a:t>, which is not </a:t>
+            </a:r>
+            <a:r>
+              <a:rPr lang="en-US" altLang="zh-CN" sz="1600" dirty="0" smtClean="0"/>
+              <a:t>significant</a:t>
             </a:r>
             <a:r>
               <a:rPr lang="en-US" altLang="zh-CN" sz="1600" dirty="0"/>
@@ -3887,29 +4462,10 @@
           </a:p>
           <a:p>
             <a:r>
-              <a:rPr lang="zh-CN" altLang="en-US" dirty="0" smtClean="0"/>
-              <a:t>多数</a:t>
-            </a:r>
-            <a:r>
-              <a:rPr lang="zh-CN" altLang="en-US" sz="2000" b="1" dirty="0" smtClean="0"/>
-              <a:t>大流量</a:t>
-            </a:r>
-            <a:r>
-              <a:rPr lang="zh-CN" altLang="en-US" dirty="0" smtClean="0"/>
-              <a:t>的路不可线下预测，只能</a:t>
-            </a:r>
-            <a:r>
-              <a:rPr lang="zh-CN" altLang="en-US" b="1" dirty="0" smtClean="0"/>
-              <a:t>在线预测</a:t>
-            </a:r>
-            <a:r>
-              <a:rPr lang="zh-CN" altLang="en-US" dirty="0" smtClean="0"/>
-              <a:t>（根据最近若干次模拟器输入流量平均得到）</a:t>
-            </a:r>
-            <a:endParaRPr lang="en-US" altLang="zh-CN" dirty="0" smtClean="0"/>
-          </a:p>
-          <a:p>
-            <a:endParaRPr lang="zh-CN" altLang="en-US" b="1" dirty="0"/>
+              <a:rPr lang="en-US" altLang="zh-CN" dirty="0" smtClean="0"/>
+              <a:t>Most busy roads behave unreasonably across the given 7 days.</a:t>
+            </a:r>
+            <a:endParaRPr lang="zh-CN" altLang="en-US" dirty="0"/>
           </a:p>
         </p:txBody>
       </p:sp>
@@ -4026,8 +4582,12 @@
           <a:lstStyle/>
           <a:p>
             <a:r>
-              <a:rPr lang="zh-CN" altLang="en-US" dirty="0" smtClean="0"/>
-              <a:t>数据分析：空间域</a:t>
+              <a:rPr lang="en-US" altLang="zh-CN" dirty="0"/>
+              <a:t>Data analysis: </a:t>
+            </a:r>
+            <a:r>
+              <a:rPr lang="en-US" altLang="zh-CN" dirty="0" smtClean="0"/>
+              <a:t>Space Domain</a:t>
             </a:r>
             <a:endParaRPr lang="zh-CN" altLang="en-US" dirty="0"/>
           </a:p>
@@ -4049,14 +4609,17 @@
           <a:lstStyle/>
           <a:p>
             <a:r>
-              <a:rPr lang="zh-CN" altLang="en-US" dirty="0"/>
-              <a:t>这</a:t>
-            </a:r>
-            <a:r>
-              <a:rPr lang="zh-CN" altLang="en-US" dirty="0" smtClean="0"/>
-              <a:t>是第九个小时结束后的流量分布，红色部分为较拥挤部分</a:t>
-            </a:r>
-            <a:endParaRPr lang="en-US" altLang="zh-CN" dirty="0" smtClean="0"/>
+              <a:rPr lang="en-US" altLang="zh-CN" dirty="0" smtClean="0"/>
+              <a:t>Flow distribution at the end of 9</a:t>
+            </a:r>
+            <a:r>
+              <a:rPr lang="en-US" altLang="zh-CN" baseline="30000" dirty="0" smtClean="0"/>
+              <a:t>th</a:t>
+            </a:r>
+            <a:r>
+              <a:rPr lang="en-US" altLang="zh-CN" dirty="0" smtClean="0"/>
+              <a:t> hour. Heavily roads are marked red.</a:t>
+            </a:r>
           </a:p>
           <a:p>
             <a:endParaRPr lang="zh-CN" altLang="en-US" dirty="0"/>
@@ -4072,7 +4635,7 @@
           <p:nvPr/>
         </p:nvPicPr>
         <p:blipFill>
-          <a:blip r:embed="rId2">
+          <a:blip r:embed="rId2" cstate="print">
             <a:extLst>
               <a:ext uri="{28A0092B-C50C-407E-A947-70E740481C1C}">
                 <a14:useLocalDpi xmlns:a14="http://schemas.microsoft.com/office/drawing/2010/main" val="0"/>
@@ -4085,8 +4648,8 @@
         </p:blipFill>
         <p:spPr>
           <a:xfrm>
-            <a:off x="628650" y="2567118"/>
-            <a:ext cx="4757014" cy="3808967"/>
+            <a:off x="628650" y="2818263"/>
+            <a:ext cx="4443359" cy="3557822"/>
           </a:xfrm>
           <a:prstGeom prst="rect">
             <a:avLst/>
@@ -4103,6 +4666,13 @@
   <p:clrMapOvr>
     <a:masterClrMapping/>
   </p:clrMapOvr>
+  <p:timing>
+    <p:tnLst>
+      <p:par>
+        <p:cTn id="1" dur="indefinite" restart="never" nodeType="tmRoot"/>
+      </p:par>
+    </p:tnLst>
+  </p:timing>
 </p:sld>
 </file>
 
@@ -4139,9 +4709,10 @@
           <a:lstStyle/>
           <a:p>
             <a:r>
-              <a:rPr lang="zh-CN" altLang="en-US" dirty="0"/>
-              <a:t>数据分析：空间域</a:t>
-            </a:r>
+              <a:rPr lang="en-US" altLang="zh-CN" dirty="0"/>
+              <a:t>Data analysis: Space Domain</a:t>
+            </a:r>
+            <a:endParaRPr lang="zh-CN" altLang="en-US" dirty="0"/>
           </a:p>
         </p:txBody>
       </p:sp>
@@ -4161,36 +4732,40 @@
           <a:lstStyle/>
           <a:p>
             <a:r>
-              <a:rPr lang="zh-CN" altLang="en-US" dirty="0" smtClean="0"/>
-              <a:t>一些路是“可导出”的，即这些路并不存在，但其他的路可以向他们输送流量</a:t>
-            </a:r>
-            <a:endParaRPr lang="en-US" altLang="zh-CN" dirty="0" smtClean="0"/>
-          </a:p>
-          <a:p>
-            <a:r>
-              <a:rPr lang="zh-CN" altLang="en-US" dirty="0" smtClean="0"/>
-              <a:t>这些路分布在边缘</a:t>
-            </a:r>
-            <a:endParaRPr lang="en-US" altLang="zh-CN" dirty="0" smtClean="0"/>
-          </a:p>
-          <a:p>
-            <a:r>
-              <a:rPr lang="zh-CN" altLang="en-US" dirty="0"/>
-              <a:t>这些</a:t>
-            </a:r>
-            <a:r>
-              <a:rPr lang="zh-CN" altLang="en-US" dirty="0" smtClean="0"/>
-              <a:t>路可以使流量消失，应重点保证</a:t>
-            </a:r>
-            <a:r>
-              <a:rPr lang="zh-CN" altLang="en-US" dirty="0"/>
-              <a:t>输入</a:t>
-            </a:r>
-            <a:r>
-              <a:rPr lang="zh-CN" altLang="en-US" dirty="0" smtClean="0"/>
-              <a:t>这些路的流量</a:t>
-            </a:r>
-            <a:endParaRPr lang="zh-CN" altLang="en-US" dirty="0"/>
+              <a:rPr lang="en-US" altLang="zh-CN" dirty="0" smtClean="0"/>
+              <a:t>On analyzing of the given </a:t>
+            </a:r>
+            <a:r>
+              <a:rPr lang="en-US" altLang="zh-CN" dirty="0" smtClean="0"/>
+              <a:t>evaluation code, we found that flow will “</a:t>
+            </a:r>
+            <a:r>
+              <a:rPr lang="en-US" altLang="zh-CN" dirty="0" err="1" smtClean="0"/>
+              <a:t>dispear</a:t>
+            </a:r>
+            <a:r>
+              <a:rPr lang="en-US" altLang="zh-CN" dirty="0" smtClean="0"/>
+              <a:t>” in the map border roads.</a:t>
+            </a:r>
+          </a:p>
+          <a:p>
+            <a:r>
+              <a:rPr lang="en-US" altLang="zh-CN" dirty="0" err="1" smtClean="0"/>
+              <a:t>Disapeared</a:t>
+            </a:r>
+            <a:r>
+              <a:rPr lang="en-US" altLang="zh-CN" dirty="0" smtClean="0"/>
+              <a:t> flow will not count in the future loss, </a:t>
+            </a:r>
+            <a:r>
+              <a:rPr lang="en-US" altLang="zh-CN" dirty="0" err="1" smtClean="0"/>
+              <a:t>thsu</a:t>
+            </a:r>
+            <a:r>
+              <a:rPr lang="en-US" altLang="zh-CN" dirty="0" smtClean="0"/>
+              <a:t> a obvious strategy is to make more traffic flow to this edges. </a:t>
+            </a:r>
+            <a:endParaRPr lang="en-US" altLang="zh-CN" dirty="0"/>
           </a:p>
         </p:txBody>
       </p:sp>
@@ -4204,6 +4779,13 @@
   <p:clrMapOvr>
     <a:masterClrMapping/>
   </p:clrMapOvr>
+  <p:timing>
+    <p:tnLst>
+      <p:par>
+        <p:cTn id="1" dur="indefinite" restart="never" nodeType="tmRoot"/>
+      </p:par>
+    </p:tnLst>
+  </p:timing>
 </p:sld>
 </file>
 
@@ -4240,110 +4822,334 @@
           <a:lstStyle/>
           <a:p>
             <a:r>
-              <a:rPr lang="zh-CN" altLang="en-US" dirty="0" smtClean="0"/>
-              <a:t>数据分析：空间域结论</a:t>
+              <a:rPr lang="en-US" altLang="zh-CN" dirty="0" smtClean="0"/>
+              <a:t>Data analysis: Space Domain</a:t>
             </a:r>
             <a:endParaRPr lang="zh-CN" altLang="en-US" dirty="0"/>
           </a:p>
         </p:txBody>
       </p:sp>
-      <p:sp>
-        <p:nvSpPr>
-          <p:cNvPr id="3" name="内容占位符 2"/>
-          <p:cNvSpPr>
-            <a:spLocks noGrp="1"/>
-          </p:cNvSpPr>
-          <p:nvPr>
-            <p:ph sz="quarter" idx="10"/>
-          </p:nvPr>
-        </p:nvSpPr>
-        <p:spPr/>
-        <p:txBody>
-          <a:bodyPr/>
-          <a:lstStyle/>
-          <a:p>
-            <a:r>
-              <a:rPr lang="zh-CN" altLang="en-US" dirty="0" smtClean="0"/>
-              <a:t>等待罚时正比于路面滞留车辆数的平方，最终罚时对较为拥堵的路口敏感（</a:t>
-            </a:r>
-            <a:r>
-              <a:rPr lang="en-US" altLang="zh-CN" b="1" dirty="0" smtClean="0"/>
-              <a:t>0.8</a:t>
-            </a:r>
-            <a:r>
-              <a:rPr lang="en-US" altLang="zh-CN" dirty="0" smtClean="0"/>
-              <a:t> </a:t>
-            </a:r>
-            <a:r>
-              <a:rPr lang="zh-CN" altLang="en-US" dirty="0" smtClean="0"/>
-              <a:t>的流量缩放可能导致近 </a:t>
-            </a:r>
-            <a:r>
-              <a:rPr lang="en-US" altLang="zh-CN" b="1" dirty="0" smtClean="0"/>
-              <a:t>0.5</a:t>
-            </a:r>
-            <a:r>
-              <a:rPr lang="en-US" altLang="zh-CN" dirty="0" smtClean="0"/>
-              <a:t> </a:t>
-            </a:r>
-            <a:r>
-              <a:rPr lang="zh-CN" altLang="en-US" dirty="0" smtClean="0"/>
-              <a:t>的罚时减小）</a:t>
-            </a:r>
-            <a:endParaRPr lang="en-US" altLang="zh-CN" dirty="0" smtClean="0"/>
-          </a:p>
-          <a:p>
-            <a:endParaRPr lang="en-US" altLang="zh-CN" dirty="0" smtClean="0"/>
-          </a:p>
-          <a:p>
-            <a:r>
-              <a:rPr lang="zh-CN" altLang="en-US" dirty="0" smtClean="0"/>
-              <a:t>亮灯策略对流量整体的 </a:t>
-            </a:r>
-            <a:r>
-              <a:rPr lang="en-US" altLang="zh-CN" dirty="0" smtClean="0">
-                <a:latin typeface="Microsoft JhengHei UI Light" panose="020B0304030504040204" pitchFamily="34" charset="-122"/>
-                <a:ea typeface="Microsoft JhengHei UI Light" panose="020B0304030504040204" pitchFamily="34" charset="-122"/>
-                <a:cs typeface="Microsoft JhengHei UI Light" panose="020B0304030504040204" pitchFamily="34" charset="-122"/>
-              </a:rPr>
-              <a:t>scale</a:t>
-            </a:r>
-            <a:r>
-              <a:rPr lang="en-US" altLang="zh-CN" dirty="0" smtClean="0"/>
-              <a:t> </a:t>
-            </a:r>
-            <a:r>
-              <a:rPr lang="zh-CN" altLang="en-US" dirty="0" smtClean="0"/>
-              <a:t>敏感，以第七天的数据为例：对原始流量数据的优化策略与对 </a:t>
-            </a:r>
-            <a:r>
-              <a:rPr lang="en-US" altLang="zh-CN" dirty="0" smtClean="0"/>
-              <a:t>0.8 </a:t>
-            </a:r>
-            <a:r>
-              <a:rPr lang="zh-CN" altLang="en-US" dirty="0" smtClean="0"/>
-              <a:t>线性缩小的流量数据的优化策略有很大差异</a:t>
-            </a:r>
-            <a:endParaRPr lang="en-US" altLang="zh-CN" dirty="0"/>
-          </a:p>
-          <a:p>
-            <a:endParaRPr lang="en-US" altLang="zh-CN" dirty="0"/>
-          </a:p>
-          <a:p>
-            <a:r>
-              <a:rPr lang="zh-CN" altLang="en-US" dirty="0" smtClean="0"/>
-              <a:t>拥挤程度基本呈现从中间向边缘递减趋势，但各种流量、各种导出率的路交错分布，很难用简单、确定的算法处理</a:t>
-            </a:r>
-            <a:endParaRPr lang="en-US" altLang="zh-CN" dirty="0" smtClean="0"/>
-          </a:p>
-          <a:p>
-            <a:endParaRPr lang="en-US" altLang="zh-CN" dirty="0"/>
-          </a:p>
-          <a:p>
-            <a:endParaRPr lang="en-US" altLang="zh-CN" dirty="0" smtClean="0"/>
-          </a:p>
-        </p:txBody>
-      </p:sp>
+      <mc:AlternateContent xmlns:mc="http://schemas.openxmlformats.org/markup-compatibility/2006">
+        <mc:Choice xmlns:a14="http://schemas.microsoft.com/office/drawing/2010/main" Requires="a14">
+          <p:sp>
+            <p:nvSpPr>
+              <p:cNvPr id="3" name="内容占位符 2"/>
+              <p:cNvSpPr>
+                <a:spLocks noGrp="1"/>
+              </p:cNvSpPr>
+              <p:nvPr>
+                <p:ph sz="quarter" idx="10"/>
+              </p:nvPr>
+            </p:nvSpPr>
+            <p:spPr/>
+            <p:txBody>
+              <a:bodyPr>
+                <a:normAutofit/>
+              </a:bodyPr>
+              <a:lstStyle/>
+              <a:p>
+                <a14:m>
+                  <m:oMath xmlns:m="http://schemas.openxmlformats.org/officeDocument/2006/math">
+                    <m:r>
+                      <a:rPr lang="en-US" altLang="zh-CN" b="0" i="1" smtClean="0">
+                        <a:latin typeface="Cambria Math" panose="02040503050406030204" pitchFamily="18" charset="0"/>
+                      </a:rPr>
+                      <m:t>𝐹</m:t>
+                    </m:r>
+                  </m:oMath>
+                </a14:m>
+                <a:r>
+                  <a:rPr lang="en-US" altLang="zh-CN" dirty="0" smtClean="0"/>
+                  <a:t> as current flow on the road, </a:t>
+                </a:r>
+                <a14:m>
+                  <m:oMath xmlns:m="http://schemas.openxmlformats.org/officeDocument/2006/math">
+                    <m:r>
+                      <a:rPr lang="en-US" altLang="zh-CN" b="0" i="1" smtClean="0">
+                        <a:latin typeface="Cambria Math" panose="02040503050406030204" pitchFamily="18" charset="0"/>
+                      </a:rPr>
+                      <m:t>𝑣</m:t>
+                    </m:r>
+                  </m:oMath>
+                </a14:m>
+                <a:r>
+                  <a:rPr lang="en-US" altLang="zh-CN" dirty="0" smtClean="0"/>
+                  <a:t> as export rate, assume no flow import, we define the </a:t>
+                </a:r>
+                <a14:m>
+                  <m:oMath xmlns:m="http://schemas.openxmlformats.org/officeDocument/2006/math">
+                    <m:r>
+                      <a:rPr lang="en-US" altLang="zh-CN" i="1" dirty="0" smtClean="0">
+                        <a:latin typeface="Cambria Math" panose="02040503050406030204" pitchFamily="18" charset="0"/>
+                      </a:rPr>
+                      <m:t>𝑙𝑜𝑠𝑠</m:t>
+                    </m:r>
+                    <m:r>
+                      <a:rPr lang="en-US" altLang="zh-CN" i="1" dirty="0" smtClean="0">
+                        <a:latin typeface="Cambria Math" panose="02040503050406030204" pitchFamily="18" charset="0"/>
+                      </a:rPr>
+                      <m:t> </m:t>
+                    </m:r>
+                    <m:r>
+                      <a:rPr lang="en-US" altLang="zh-CN" i="1" dirty="0" smtClean="0">
+                        <a:latin typeface="Cambria Math" panose="02040503050406030204" pitchFamily="18" charset="0"/>
+                      </a:rPr>
+                      <m:t>𝑜𝑓</m:t>
+                    </m:r>
+                    <m:r>
+                      <a:rPr lang="en-US" altLang="zh-CN" b="0" i="1" dirty="0" smtClean="0">
+                        <a:latin typeface="Cambria Math" panose="02040503050406030204" pitchFamily="18" charset="0"/>
+                      </a:rPr>
+                      <m:t> </m:t>
+                    </m:r>
+                    <m:r>
+                      <a:rPr lang="en-US" altLang="zh-CN" b="0" i="1" dirty="0" smtClean="0">
+                        <a:latin typeface="Cambria Math" panose="02040503050406030204" pitchFamily="18" charset="0"/>
+                      </a:rPr>
+                      <m:t>𝐹</m:t>
+                    </m:r>
+                  </m:oMath>
+                </a14:m>
+                <a:r>
+                  <a:rPr lang="en-US" altLang="zh-CN" dirty="0" smtClean="0"/>
+                  <a:t> as the sum of all</a:t>
+                </a:r>
+              </a:p>
+              <a:p>
+                <a14:m>
+                  <m:oMath xmlns:m="http://schemas.openxmlformats.org/officeDocument/2006/math">
+                    <m:r>
+                      <a:rPr lang="en-US" altLang="zh-CN" b="0" i="1" smtClean="0">
+                        <a:latin typeface="Cambria Math" panose="02040503050406030204" pitchFamily="18" charset="0"/>
+                      </a:rPr>
+                      <m:t>𝑙𝑜𝑠𝑠</m:t>
+                    </m:r>
+                    <m:r>
+                      <a:rPr lang="en-US" altLang="zh-CN" b="0" i="1" smtClean="0">
+                        <a:latin typeface="Cambria Math" panose="02040503050406030204" pitchFamily="18" charset="0"/>
+                      </a:rPr>
+                      <m:t>=</m:t>
+                    </m:r>
+                    <m:nary>
+                      <m:naryPr>
+                        <m:chr m:val="∑"/>
+                        <m:ctrlPr>
+                          <a:rPr lang="en-US" altLang="zh-CN" i="1" smtClean="0">
+                            <a:latin typeface="Cambria Math" panose="02040503050406030204" pitchFamily="18" charset="0"/>
+                          </a:rPr>
+                        </m:ctrlPr>
+                      </m:naryPr>
+                      <m:sub>
+                        <m:r>
+                          <m:rPr>
+                            <m:brk m:alnAt="23"/>
+                          </m:rPr>
+                          <a:rPr lang="en-US" altLang="zh-CN" b="0" i="1" smtClean="0">
+                            <a:latin typeface="Cambria Math" panose="02040503050406030204" pitchFamily="18" charset="0"/>
+                          </a:rPr>
+                          <m:t>𝑖</m:t>
+                        </m:r>
+                        <m:r>
+                          <a:rPr lang="en-US" altLang="zh-CN" b="0" i="1" smtClean="0">
+                            <a:latin typeface="Cambria Math" panose="02040503050406030204" pitchFamily="18" charset="0"/>
+                          </a:rPr>
+                          <m:t>=1</m:t>
+                        </m:r>
+                      </m:sub>
+                      <m:sup>
+                        <m:r>
+                          <a:rPr lang="en-US" altLang="zh-CN" b="0" i="1" smtClean="0">
+                            <a:latin typeface="Cambria Math" panose="02040503050406030204" pitchFamily="18" charset="0"/>
+                          </a:rPr>
+                          <m:t>𝐹</m:t>
+                        </m:r>
+                        <m:r>
+                          <a:rPr lang="en-US" altLang="zh-CN" b="0" i="1" smtClean="0">
+                            <a:latin typeface="Cambria Math" panose="02040503050406030204" pitchFamily="18" charset="0"/>
+                          </a:rPr>
+                          <m:t>/</m:t>
+                        </m:r>
+                        <m:r>
+                          <a:rPr lang="en-US" altLang="zh-CN" b="0" i="1" smtClean="0">
+                            <a:latin typeface="Cambria Math" panose="02040503050406030204" pitchFamily="18" charset="0"/>
+                          </a:rPr>
+                          <m:t>𝑣</m:t>
+                        </m:r>
+                      </m:sup>
+                      <m:e>
+                        <m:r>
+                          <a:rPr lang="en-US" altLang="zh-CN" b="0" i="1" smtClean="0">
+                            <a:latin typeface="Cambria Math" panose="02040503050406030204" pitchFamily="18" charset="0"/>
+                          </a:rPr>
+                          <m:t>𝐹</m:t>
+                        </m:r>
+                        <m:r>
+                          <a:rPr lang="en-US" altLang="zh-CN" b="0" i="1" smtClean="0">
+                            <a:latin typeface="Cambria Math" panose="02040503050406030204" pitchFamily="18" charset="0"/>
+                          </a:rPr>
+                          <m:t>−</m:t>
+                        </m:r>
+                        <m:r>
+                          <a:rPr lang="en-US" altLang="zh-CN" b="0" i="1" smtClean="0">
+                            <a:latin typeface="Cambria Math" panose="02040503050406030204" pitchFamily="18" charset="0"/>
+                          </a:rPr>
+                          <m:t>𝑖𝑣</m:t>
+                        </m:r>
+                      </m:e>
+                    </m:nary>
+                    <m:r>
+                      <a:rPr lang="en-US" altLang="zh-CN" b="0" i="1" smtClean="0">
+                        <a:latin typeface="Cambria Math" panose="02040503050406030204" pitchFamily="18" charset="0"/>
+                      </a:rPr>
+                      <m:t>=</m:t>
+                    </m:r>
+                    <m:f>
+                      <m:fPr>
+                        <m:ctrlPr>
+                          <a:rPr lang="en-US" altLang="zh-CN" b="0" i="1" smtClean="0">
+                            <a:latin typeface="Cambria Math" panose="02040503050406030204" pitchFamily="18" charset="0"/>
+                          </a:rPr>
+                        </m:ctrlPr>
+                      </m:fPr>
+                      <m:num>
+                        <m:sSup>
+                          <m:sSupPr>
+                            <m:ctrlPr>
+                              <a:rPr lang="en-US" altLang="zh-CN" b="0" i="1" smtClean="0">
+                                <a:latin typeface="Cambria Math" panose="02040503050406030204" pitchFamily="18" charset="0"/>
+                              </a:rPr>
+                            </m:ctrlPr>
+                          </m:sSupPr>
+                          <m:e>
+                            <m:r>
+                              <a:rPr lang="en-US" altLang="zh-CN" b="0" i="1" smtClean="0">
+                                <a:latin typeface="Cambria Math" panose="02040503050406030204" pitchFamily="18" charset="0"/>
+                              </a:rPr>
+                              <m:t>𝐹</m:t>
+                            </m:r>
+                          </m:e>
+                          <m:sup>
+                            <m:r>
+                              <a:rPr lang="en-US" altLang="zh-CN" b="0" i="1" smtClean="0">
+                                <a:latin typeface="Cambria Math" panose="02040503050406030204" pitchFamily="18" charset="0"/>
+                              </a:rPr>
+                              <m:t>2</m:t>
+                            </m:r>
+                          </m:sup>
+                        </m:sSup>
+                      </m:num>
+                      <m:den>
+                        <m:r>
+                          <a:rPr lang="en-US" altLang="zh-CN" b="0" i="1" smtClean="0">
+                            <a:latin typeface="Cambria Math" panose="02040503050406030204" pitchFamily="18" charset="0"/>
+                          </a:rPr>
+                          <m:t>2</m:t>
+                        </m:r>
+                        <m:r>
+                          <a:rPr lang="en-US" altLang="zh-CN" b="0" i="1" smtClean="0">
+                            <a:latin typeface="Cambria Math" panose="02040503050406030204" pitchFamily="18" charset="0"/>
+                          </a:rPr>
+                          <m:t>𝑣</m:t>
+                        </m:r>
+                      </m:den>
+                    </m:f>
+                  </m:oMath>
+                </a14:m>
+                <a:endParaRPr lang="en-US" altLang="zh-CN" dirty="0" smtClean="0"/>
+              </a:p>
+              <a:p>
+                <a:r>
+                  <a:rPr lang="en-US" altLang="zh-CN" dirty="0" smtClean="0"/>
+                  <a:t>Total loss is proportional to flow’s square, thus </a:t>
+                </a:r>
+                <a:r>
+                  <a:rPr lang="en-US" altLang="zh-CN" b="1" dirty="0" smtClean="0"/>
+                  <a:t>busy roads are particularly significant</a:t>
+                </a:r>
+                <a:r>
+                  <a:rPr lang="en-US" altLang="zh-CN" dirty="0" smtClean="0"/>
+                  <a:t>.</a:t>
+                </a:r>
+                <a:endParaRPr lang="en-US" altLang="zh-CN" dirty="0" smtClean="0"/>
+              </a:p>
+              <a:p>
+                <a:r>
+                  <a:rPr lang="en-US" altLang="zh-CN" dirty="0" smtClean="0"/>
+                  <a:t>This non-</a:t>
+                </a:r>
+                <a:r>
+                  <a:rPr lang="en-US" altLang="zh-CN" dirty="0" smtClean="0"/>
+                  <a:t>linear </a:t>
+                </a:r>
+                <a:r>
+                  <a:rPr lang="en-US" altLang="zh-CN" dirty="0" smtClean="0"/>
+                  <a:t>property </a:t>
+                </a:r>
+                <a:r>
+                  <a:rPr lang="en-US" altLang="zh-CN" dirty="0" smtClean="0"/>
+                  <a:t>makes </a:t>
+                </a:r>
+                <a:r>
+                  <a:rPr lang="en-US" altLang="zh-CN" dirty="0"/>
+                  <a:t>the flow </a:t>
+                </a:r>
+                <a:r>
+                  <a:rPr lang="en-US" altLang="zh-CN" dirty="0" smtClean="0"/>
+                  <a:t>scale matters to the schedule strategy. We use scaled training data to 0.8 and got better online judge score, this indicates the 8</a:t>
+                </a:r>
+                <a:r>
+                  <a:rPr lang="en-US" altLang="zh-CN" baseline="30000" dirty="0" smtClean="0"/>
+                  <a:t>th</a:t>
+                </a:r>
+                <a:r>
+                  <a:rPr lang="en-US" altLang="zh-CN" dirty="0" smtClean="0"/>
+                  <a:t> days average flow is less than the first 7 days.</a:t>
+                </a:r>
+                <a:endParaRPr lang="en-US" altLang="zh-CN" dirty="0"/>
+              </a:p>
+              <a:p>
+                <a:endParaRPr lang="en-US" altLang="zh-CN" dirty="0"/>
+              </a:p>
+              <a:p>
+                <a:endParaRPr lang="en-US" altLang="zh-CN" dirty="0" smtClean="0"/>
+              </a:p>
+            </p:txBody>
+          </p:sp>
+        </mc:Choice>
+        <mc:Fallback>
+          <p:sp>
+            <p:nvSpPr>
+              <p:cNvPr id="3" name="内容占位符 2"/>
+              <p:cNvSpPr>
+                <a:spLocks noGrp="1" noRot="1" noChangeAspect="1" noMove="1" noResize="1" noEditPoints="1" noAdjustHandles="1" noChangeArrowheads="1" noChangeShapeType="1" noTextEdit="1"/>
+              </p:cNvSpPr>
+              <p:nvPr>
+                <p:ph sz="quarter" idx="10"/>
+              </p:nvPr>
+            </p:nvSpPr>
+            <p:spPr>
+              <a:blipFill rotWithShape="0">
+                <a:blip r:embed="rId2"/>
+                <a:stretch>
+                  <a:fillRect l="-1005" t="-2203"/>
+                </a:stretch>
+              </a:blipFill>
+            </p:spPr>
+            <p:txBody>
+              <a:bodyPr/>
+              <a:lstStyle/>
+              <a:p>
+                <a:r>
+                  <a:rPr lang="en-US">
+                    <a:noFill/>
+                  </a:rPr>
+                  <a:t> </a:t>
+                </a:r>
+              </a:p>
+            </p:txBody>
+          </p:sp>
+        </mc:Fallback>
+      </mc:AlternateContent>
     </p:spTree>
     <p:extLst>
       <p:ext uri="{BB962C8B-B14F-4D97-AF65-F5344CB8AC3E}">
@@ -4354,6 +5160,13 @@
   <p:clrMapOvr>
     <a:masterClrMapping/>
   </p:clrMapOvr>
+  <p:timing>
+    <p:tnLst>
+      <p:par>
+        <p:cTn id="1" dur="indefinite" restart="never" nodeType="tmRoot"/>
+      </p:par>
+    </p:tnLst>
+  </p:timing>
 </p:sld>
 </file>
 
